--- a/docs/DesignArchitecture.pptx
+++ b/docs/DesignArchitecture.pptx
@@ -9,12 +9,12 @@
     <p:sldId id="257" r:id="rId3"/>
     <p:sldId id="265" r:id="rId4"/>
     <p:sldId id="260" r:id="rId5"/>
-    <p:sldId id="258" r:id="rId6"/>
-    <p:sldId id="262" r:id="rId7"/>
-    <p:sldId id="263" r:id="rId8"/>
-    <p:sldId id="264" r:id="rId9"/>
-    <p:sldId id="259" r:id="rId10"/>
-    <p:sldId id="261" r:id="rId11"/>
+    <p:sldId id="262" r:id="rId6"/>
+    <p:sldId id="258" r:id="rId7"/>
+    <p:sldId id="264" r:id="rId8"/>
+    <p:sldId id="259" r:id="rId9"/>
+    <p:sldId id="261" r:id="rId10"/>
+    <p:sldId id="263" r:id="rId11"/>
   </p:sldIdLst>
   <p:sldSz cx="12192000" cy="6858000"/>
   <p:notesSz cx="6858000" cy="9144000"/>
@@ -13037,7 +13037,7 @@
           <p:cNvPr id="2" name="Title 1">
             <a:extLst>
               <a:ext uri="{FF2B5EF4-FFF2-40B4-BE49-F238E27FC236}">
-                <a16:creationId xmlns:a16="http://schemas.microsoft.com/office/drawing/2014/main" id="{E8F56D53-D15F-4F13-B650-C1E158A0FB2D}"/>
+                <a16:creationId xmlns:a16="http://schemas.microsoft.com/office/drawing/2014/main" id="{5F4DBAF5-C75F-4029-B8F7-D1782942306F}"/>
               </a:ext>
             </a:extLst>
           </p:cNvPr>
@@ -13055,7 +13055,7 @@
           <a:p>
             <a:r>
               <a:rPr lang="en-US" dirty="0"/>
-              <a:t>Form Components</a:t>
+              <a:t>Theme Builder</a:t>
             </a:r>
           </a:p>
         </p:txBody>
@@ -13065,7 +13065,7 @@
           <p:cNvPr id="3" name="Content Placeholder 2">
             <a:extLst>
               <a:ext uri="{FF2B5EF4-FFF2-40B4-BE49-F238E27FC236}">
-                <a16:creationId xmlns:a16="http://schemas.microsoft.com/office/drawing/2014/main" id="{AA1AA00A-2F04-4BEB-AF12-7E95C27A9EF1}"/>
+                <a16:creationId xmlns:a16="http://schemas.microsoft.com/office/drawing/2014/main" id="{6C42B174-F272-4EAE-9037-9E43295756EA}"/>
               </a:ext>
             </a:extLst>
           </p:cNvPr>
@@ -13081,39 +13081,6 @@
           <a:bodyPr/>
           <a:lstStyle/>
           <a:p>
-            <a:r>
-              <a:rPr lang="en-US" dirty="0"/>
-              <a:t>Input</a:t>
-            </a:r>
-          </a:p>
-          <a:p>
-            <a:pPr lvl="1"/>
-            <a:r>
-              <a:rPr lang="en-US" dirty="0"/>
-              <a:t>Static</a:t>
-            </a:r>
-          </a:p>
-          <a:p>
-            <a:pPr lvl="1"/>
-            <a:r>
-              <a:rPr lang="en-US" dirty="0"/>
-              <a:t>Auto Complete</a:t>
-            </a:r>
-          </a:p>
-          <a:p>
-            <a:r>
-              <a:rPr lang="en-US" dirty="0"/>
-              <a:t>Tabs</a:t>
-            </a:r>
-          </a:p>
-          <a:p>
-            <a:r>
-              <a:rPr lang="en-US" dirty="0"/>
-              <a:t>Rule Builder</a:t>
-            </a:r>
-          </a:p>
-          <a:p>
-            <a:pPr lvl="1"/>
             <a:endParaRPr lang="en-US" dirty="0"/>
           </a:p>
         </p:txBody>
@@ -13121,7 +13088,7 @@
     </p:spTree>
     <p:extLst>
       <p:ext uri="{BB962C8B-B14F-4D97-AF65-F5344CB8AC3E}">
-        <p14:creationId xmlns:p14="http://schemas.microsoft.com/office/powerpoint/2010/main" val="4162303227"/>
+        <p14:creationId xmlns:p14="http://schemas.microsoft.com/office/powerpoint/2010/main" val="1534893492"/>
       </p:ext>
     </p:extLst>
   </p:cSld>
@@ -13403,7 +13370,7 @@
           <p:cNvPr id="2" name="Title 1">
             <a:extLst>
               <a:ext uri="{FF2B5EF4-FFF2-40B4-BE49-F238E27FC236}">
-                <a16:creationId xmlns:a16="http://schemas.microsoft.com/office/drawing/2014/main" id="{3FB08B6A-7E64-4930-BC2C-EA1B4D12DEA1}"/>
+                <a16:creationId xmlns:a16="http://schemas.microsoft.com/office/drawing/2014/main" id="{8D621354-63AB-4870-B234-6BD40AEA4FC7}"/>
               </a:ext>
             </a:extLst>
           </p:cNvPr>
@@ -13421,7 +13388,7 @@
           <a:p>
             <a:r>
               <a:rPr lang="en-US" dirty="0"/>
-              <a:t>Page Widgets</a:t>
+              <a:t>Page Builder</a:t>
             </a:r>
           </a:p>
         </p:txBody>
@@ -13431,7 +13398,7 @@
           <p:cNvPr id="3" name="Content Placeholder 2">
             <a:extLst>
               <a:ext uri="{FF2B5EF4-FFF2-40B4-BE49-F238E27FC236}">
-                <a16:creationId xmlns:a16="http://schemas.microsoft.com/office/drawing/2014/main" id="{73A66F1A-F60D-41EF-A7E5-2BA5797334BF}"/>
+                <a16:creationId xmlns:a16="http://schemas.microsoft.com/office/drawing/2014/main" id="{F336DA4F-7CA3-4EE9-BACE-93974B065243}"/>
               </a:ext>
             </a:extLst>
           </p:cNvPr>
@@ -13444,111 +13411,29 @@
         </p:nvSpPr>
         <p:spPr/>
         <p:txBody>
-          <a:bodyPr>
-            <a:normAutofit fontScale="92500" lnSpcReduction="10000"/>
-          </a:bodyPr>
+          <a:bodyPr/>
           <a:lstStyle/>
           <a:p>
             <a:r>
               <a:rPr lang="en-US" dirty="0"/>
-              <a:t>Base</a:t>
+              <a:t>Add Data Sources to Page</a:t>
             </a:r>
           </a:p>
           <a:p>
-            <a:pPr lvl="1"/>
             <a:r>
               <a:rPr lang="en-US" dirty="0"/>
-              <a:t>Layout</a:t>
+              <a:t>Add Widgets to Page</a:t>
             </a:r>
           </a:p>
           <a:p>
-            <a:pPr lvl="2"/>
             <a:r>
               <a:rPr lang="en-US" dirty="0"/>
-              <a:t>Container</a:t>
+              <a:t>Change </a:t>
             </a:r>
-          </a:p>
-          <a:p>
-            <a:pPr lvl="2"/>
             <a:r>
-              <a:rPr lang="en-US" dirty="0"/>
-              <a:t>Row</a:t>
+              <a:rPr lang="en-US"/>
+              <a:t>Page Layout</a:t>
             </a:r>
-          </a:p>
-          <a:p>
-            <a:pPr lvl="2"/>
-            <a:r>
-              <a:rPr lang="en-US" dirty="0"/>
-              <a:t>Column</a:t>
-            </a:r>
-          </a:p>
-          <a:p>
-            <a:pPr lvl="2"/>
-            <a:r>
-              <a:rPr lang="en-US" dirty="0"/>
-              <a:t>Repeater</a:t>
-            </a:r>
-          </a:p>
-          <a:p>
-            <a:pPr lvl="1"/>
-            <a:r>
-              <a:rPr lang="en-US" dirty="0"/>
-              <a:t>Grid</a:t>
-            </a:r>
-          </a:p>
-          <a:p>
-            <a:pPr lvl="1"/>
-            <a:r>
-              <a:rPr lang="en-US" dirty="0"/>
-              <a:t>Data Grid</a:t>
-            </a:r>
-          </a:p>
-          <a:p>
-            <a:pPr lvl="1"/>
-            <a:r>
-              <a:rPr lang="en-US" dirty="0"/>
-              <a:t>Chart</a:t>
-            </a:r>
-          </a:p>
-          <a:p>
-            <a:pPr lvl="2"/>
-            <a:r>
-              <a:rPr lang="en-US" dirty="0"/>
-              <a:t>Pie</a:t>
-            </a:r>
-          </a:p>
-          <a:p>
-            <a:pPr lvl="2"/>
-            <a:r>
-              <a:rPr lang="en-US" dirty="0"/>
-              <a:t>Line</a:t>
-            </a:r>
-          </a:p>
-          <a:p>
-            <a:pPr lvl="2"/>
-            <a:r>
-              <a:rPr lang="en-US" dirty="0"/>
-              <a:t>Bar</a:t>
-            </a:r>
-          </a:p>
-          <a:p>
-            <a:pPr lvl="1"/>
-            <a:r>
-              <a:rPr lang="en-US" dirty="0"/>
-              <a:t>Form</a:t>
-            </a:r>
-          </a:p>
-          <a:p>
-            <a:r>
-              <a:rPr lang="en-US" dirty="0"/>
-              <a:t>Custom – Composed of One or Many Base Components</a:t>
-            </a:r>
-          </a:p>
-          <a:p>
-            <a:endParaRPr lang="en-US" dirty="0"/>
-          </a:p>
-          <a:p>
-            <a:pPr lvl="1"/>
             <a:endParaRPr lang="en-US" dirty="0"/>
           </a:p>
         </p:txBody>
@@ -13556,7 +13441,7 @@
     </p:spTree>
     <p:extLst>
       <p:ext uri="{BB962C8B-B14F-4D97-AF65-F5344CB8AC3E}">
-        <p14:creationId xmlns:p14="http://schemas.microsoft.com/office/powerpoint/2010/main" val="2500292898"/>
+        <p14:creationId xmlns:p14="http://schemas.microsoft.com/office/powerpoint/2010/main" val="585081077"/>
       </p:ext>
     </p:extLst>
   </p:cSld>
@@ -13588,7 +13473,7 @@
           <p:cNvPr id="2" name="Title 1">
             <a:extLst>
               <a:ext uri="{FF2B5EF4-FFF2-40B4-BE49-F238E27FC236}">
-                <a16:creationId xmlns:a16="http://schemas.microsoft.com/office/drawing/2014/main" id="{8D621354-63AB-4870-B234-6BD40AEA4FC7}"/>
+                <a16:creationId xmlns:a16="http://schemas.microsoft.com/office/drawing/2014/main" id="{3FB08B6A-7E64-4930-BC2C-EA1B4D12DEA1}"/>
               </a:ext>
             </a:extLst>
           </p:cNvPr>
@@ -13606,7 +13491,7 @@
           <a:p>
             <a:r>
               <a:rPr lang="en-US" dirty="0"/>
-              <a:t>Page Builder</a:t>
+              <a:t>Page Widgets</a:t>
             </a:r>
           </a:p>
         </p:txBody>
@@ -13616,7 +13501,7 @@
           <p:cNvPr id="3" name="Content Placeholder 2">
             <a:extLst>
               <a:ext uri="{FF2B5EF4-FFF2-40B4-BE49-F238E27FC236}">
-                <a16:creationId xmlns:a16="http://schemas.microsoft.com/office/drawing/2014/main" id="{F336DA4F-7CA3-4EE9-BACE-93974B065243}"/>
+                <a16:creationId xmlns:a16="http://schemas.microsoft.com/office/drawing/2014/main" id="{73A66F1A-F60D-41EF-A7E5-2BA5797334BF}"/>
               </a:ext>
             </a:extLst>
           </p:cNvPr>
@@ -13629,9 +13514,111 @@
         </p:nvSpPr>
         <p:spPr/>
         <p:txBody>
-          <a:bodyPr/>
+          <a:bodyPr>
+            <a:normAutofit fontScale="92500" lnSpcReduction="10000"/>
+          </a:bodyPr>
           <a:lstStyle/>
           <a:p>
+            <a:r>
+              <a:rPr lang="en-US" dirty="0"/>
+              <a:t>Base</a:t>
+            </a:r>
+          </a:p>
+          <a:p>
+            <a:pPr lvl="1"/>
+            <a:r>
+              <a:rPr lang="en-US" dirty="0"/>
+              <a:t>Layout</a:t>
+            </a:r>
+          </a:p>
+          <a:p>
+            <a:pPr lvl="2"/>
+            <a:r>
+              <a:rPr lang="en-US" dirty="0"/>
+              <a:t>Container</a:t>
+            </a:r>
+          </a:p>
+          <a:p>
+            <a:pPr lvl="2"/>
+            <a:r>
+              <a:rPr lang="en-US" dirty="0"/>
+              <a:t>Row</a:t>
+            </a:r>
+          </a:p>
+          <a:p>
+            <a:pPr lvl="2"/>
+            <a:r>
+              <a:rPr lang="en-US" dirty="0"/>
+              <a:t>Column</a:t>
+            </a:r>
+          </a:p>
+          <a:p>
+            <a:pPr lvl="2"/>
+            <a:r>
+              <a:rPr lang="en-US" dirty="0"/>
+              <a:t>Repeater</a:t>
+            </a:r>
+          </a:p>
+          <a:p>
+            <a:pPr lvl="1"/>
+            <a:r>
+              <a:rPr lang="en-US" dirty="0"/>
+              <a:t>Grid</a:t>
+            </a:r>
+          </a:p>
+          <a:p>
+            <a:pPr lvl="1"/>
+            <a:r>
+              <a:rPr lang="en-US" dirty="0"/>
+              <a:t>Data Grid</a:t>
+            </a:r>
+          </a:p>
+          <a:p>
+            <a:pPr lvl="1"/>
+            <a:r>
+              <a:rPr lang="en-US" dirty="0"/>
+              <a:t>Chart</a:t>
+            </a:r>
+          </a:p>
+          <a:p>
+            <a:pPr lvl="2"/>
+            <a:r>
+              <a:rPr lang="en-US" dirty="0"/>
+              <a:t>Pie</a:t>
+            </a:r>
+          </a:p>
+          <a:p>
+            <a:pPr lvl="2"/>
+            <a:r>
+              <a:rPr lang="en-US" dirty="0"/>
+              <a:t>Line</a:t>
+            </a:r>
+          </a:p>
+          <a:p>
+            <a:pPr lvl="2"/>
+            <a:r>
+              <a:rPr lang="en-US" dirty="0"/>
+              <a:t>Bar</a:t>
+            </a:r>
+          </a:p>
+          <a:p>
+            <a:pPr lvl="1"/>
+            <a:r>
+              <a:rPr lang="en-US" dirty="0"/>
+              <a:t>Form</a:t>
+            </a:r>
+          </a:p>
+          <a:p>
+            <a:r>
+              <a:rPr lang="en-US" dirty="0"/>
+              <a:t>Custom – Composed of One or Many Base Components</a:t>
+            </a:r>
+          </a:p>
+          <a:p>
+            <a:endParaRPr lang="en-US" dirty="0"/>
+          </a:p>
+          <a:p>
+            <a:pPr lvl="1"/>
             <a:endParaRPr lang="en-US" dirty="0"/>
           </a:p>
         </p:txBody>
@@ -13639,7 +13626,7 @@
     </p:spTree>
     <p:extLst>
       <p:ext uri="{BB962C8B-B14F-4D97-AF65-F5344CB8AC3E}">
-        <p14:creationId xmlns:p14="http://schemas.microsoft.com/office/powerpoint/2010/main" val="585081077"/>
+        <p14:creationId xmlns:p14="http://schemas.microsoft.com/office/powerpoint/2010/main" val="2500292898"/>
       </p:ext>
     </p:extLst>
   </p:cSld>
@@ -13650,89 +13637,6 @@
 </file>
 
 <file path=ppt/slides/slide7.xml><?xml version="1.0" encoding="utf-8"?>
-<p:sld xmlns:a="http://schemas.openxmlformats.org/drawingml/2006/main" xmlns:r="http://schemas.openxmlformats.org/officeDocument/2006/relationships" xmlns:p="http://schemas.openxmlformats.org/presentationml/2006/main">
-  <p:cSld>
-    <p:spTree>
-      <p:nvGrpSpPr>
-        <p:cNvPr id="1" name=""/>
-        <p:cNvGrpSpPr/>
-        <p:nvPr/>
-      </p:nvGrpSpPr>
-      <p:grpSpPr>
-        <a:xfrm>
-          <a:off x="0" y="0"/>
-          <a:ext cx="0" cy="0"/>
-          <a:chOff x="0" y="0"/>
-          <a:chExt cx="0" cy="0"/>
-        </a:xfrm>
-      </p:grpSpPr>
-      <p:sp>
-        <p:nvSpPr>
-          <p:cNvPr id="2" name="Title 1">
-            <a:extLst>
-              <a:ext uri="{FF2B5EF4-FFF2-40B4-BE49-F238E27FC236}">
-                <a16:creationId xmlns:a16="http://schemas.microsoft.com/office/drawing/2014/main" id="{5F4DBAF5-C75F-4029-B8F7-D1782942306F}"/>
-              </a:ext>
-            </a:extLst>
-          </p:cNvPr>
-          <p:cNvSpPr>
-            <a:spLocks noGrp="1"/>
-          </p:cNvSpPr>
-          <p:nvPr>
-            <p:ph type="title"/>
-          </p:nvPr>
-        </p:nvSpPr>
-        <p:spPr/>
-        <p:txBody>
-          <a:bodyPr/>
-          <a:lstStyle/>
-          <a:p>
-            <a:r>
-              <a:rPr lang="en-US" dirty="0"/>
-              <a:t>Theme Builder</a:t>
-            </a:r>
-          </a:p>
-        </p:txBody>
-      </p:sp>
-      <p:sp>
-        <p:nvSpPr>
-          <p:cNvPr id="3" name="Content Placeholder 2">
-            <a:extLst>
-              <a:ext uri="{FF2B5EF4-FFF2-40B4-BE49-F238E27FC236}">
-                <a16:creationId xmlns:a16="http://schemas.microsoft.com/office/drawing/2014/main" id="{6C42B174-F272-4EAE-9037-9E43295756EA}"/>
-              </a:ext>
-            </a:extLst>
-          </p:cNvPr>
-          <p:cNvSpPr>
-            <a:spLocks noGrp="1"/>
-          </p:cNvSpPr>
-          <p:nvPr>
-            <p:ph idx="1"/>
-          </p:nvPr>
-        </p:nvSpPr>
-        <p:spPr/>
-        <p:txBody>
-          <a:bodyPr/>
-          <a:lstStyle/>
-          <a:p>
-            <a:endParaRPr lang="en-US" dirty="0"/>
-          </a:p>
-        </p:txBody>
-      </p:sp>
-    </p:spTree>
-    <p:extLst>
-      <p:ext uri="{BB962C8B-B14F-4D97-AF65-F5344CB8AC3E}">
-        <p14:creationId xmlns:p14="http://schemas.microsoft.com/office/powerpoint/2010/main" val="1534893492"/>
-      </p:ext>
-    </p:extLst>
-  </p:cSld>
-  <p:clrMapOvr>
-    <a:masterClrMapping/>
-  </p:clrMapOvr>
-</p:sld>
-</file>
-
-<file path=ppt/slides/slide8.xml><?xml version="1.0" encoding="utf-8"?>
 <p:sld xmlns:a="http://schemas.openxmlformats.org/drawingml/2006/main" xmlns:r="http://schemas.openxmlformats.org/officeDocument/2006/relationships" xmlns:p="http://schemas.openxmlformats.org/presentationml/2006/main">
   <p:cSld>
     <p:spTree>
@@ -13853,7 +13757,7 @@
 </p:sld>
 </file>
 
-<file path=ppt/slides/slide9.xml><?xml version="1.0" encoding="utf-8"?>
+<file path=ppt/slides/slide8.xml><?xml version="1.0" encoding="utf-8"?>
 <p:sld xmlns:a="http://schemas.openxmlformats.org/drawingml/2006/main" xmlns:r="http://schemas.openxmlformats.org/officeDocument/2006/relationships" xmlns:p="http://schemas.openxmlformats.org/presentationml/2006/main">
   <p:cSld>
     <p:spTree>
@@ -14013,6 +13917,122 @@
     <p:extLst>
       <p:ext uri="{BB962C8B-B14F-4D97-AF65-F5344CB8AC3E}">
         <p14:creationId xmlns:p14="http://schemas.microsoft.com/office/powerpoint/2010/main" val="2608257231"/>
+      </p:ext>
+    </p:extLst>
+  </p:cSld>
+  <p:clrMapOvr>
+    <a:masterClrMapping/>
+  </p:clrMapOvr>
+</p:sld>
+</file>
+
+<file path=ppt/slides/slide9.xml><?xml version="1.0" encoding="utf-8"?>
+<p:sld xmlns:a="http://schemas.openxmlformats.org/drawingml/2006/main" xmlns:r="http://schemas.openxmlformats.org/officeDocument/2006/relationships" xmlns:p="http://schemas.openxmlformats.org/presentationml/2006/main">
+  <p:cSld>
+    <p:spTree>
+      <p:nvGrpSpPr>
+        <p:cNvPr id="1" name=""/>
+        <p:cNvGrpSpPr/>
+        <p:nvPr/>
+      </p:nvGrpSpPr>
+      <p:grpSpPr>
+        <a:xfrm>
+          <a:off x="0" y="0"/>
+          <a:ext cx="0" cy="0"/>
+          <a:chOff x="0" y="0"/>
+          <a:chExt cx="0" cy="0"/>
+        </a:xfrm>
+      </p:grpSpPr>
+      <p:sp>
+        <p:nvSpPr>
+          <p:cNvPr id="2" name="Title 1">
+            <a:extLst>
+              <a:ext uri="{FF2B5EF4-FFF2-40B4-BE49-F238E27FC236}">
+                <a16:creationId xmlns:a16="http://schemas.microsoft.com/office/drawing/2014/main" id="{E8F56D53-D15F-4F13-B650-C1E158A0FB2D}"/>
+              </a:ext>
+            </a:extLst>
+          </p:cNvPr>
+          <p:cNvSpPr>
+            <a:spLocks noGrp="1"/>
+          </p:cNvSpPr>
+          <p:nvPr>
+            <p:ph type="title"/>
+          </p:nvPr>
+        </p:nvSpPr>
+        <p:spPr/>
+        <p:txBody>
+          <a:bodyPr/>
+          <a:lstStyle/>
+          <a:p>
+            <a:r>
+              <a:rPr lang="en-US" dirty="0"/>
+              <a:t>Form Components</a:t>
+            </a:r>
+          </a:p>
+        </p:txBody>
+      </p:sp>
+      <p:sp>
+        <p:nvSpPr>
+          <p:cNvPr id="3" name="Content Placeholder 2">
+            <a:extLst>
+              <a:ext uri="{FF2B5EF4-FFF2-40B4-BE49-F238E27FC236}">
+                <a16:creationId xmlns:a16="http://schemas.microsoft.com/office/drawing/2014/main" id="{AA1AA00A-2F04-4BEB-AF12-7E95C27A9EF1}"/>
+              </a:ext>
+            </a:extLst>
+          </p:cNvPr>
+          <p:cNvSpPr>
+            <a:spLocks noGrp="1"/>
+          </p:cNvSpPr>
+          <p:nvPr>
+            <p:ph idx="1"/>
+          </p:nvPr>
+        </p:nvSpPr>
+        <p:spPr/>
+        <p:txBody>
+          <a:bodyPr/>
+          <a:lstStyle/>
+          <a:p>
+            <a:r>
+              <a:rPr lang="en-US" dirty="0"/>
+              <a:t>Input</a:t>
+            </a:r>
+          </a:p>
+          <a:p>
+            <a:pPr lvl="1"/>
+            <a:r>
+              <a:rPr lang="en-US" dirty="0"/>
+              <a:t>Static</a:t>
+            </a:r>
+          </a:p>
+          <a:p>
+            <a:pPr lvl="1"/>
+            <a:r>
+              <a:rPr lang="en-US" dirty="0"/>
+              <a:t>Auto Complete</a:t>
+            </a:r>
+          </a:p>
+          <a:p>
+            <a:r>
+              <a:rPr lang="en-US" dirty="0"/>
+              <a:t>Tabs</a:t>
+            </a:r>
+          </a:p>
+          <a:p>
+            <a:r>
+              <a:rPr lang="en-US" dirty="0"/>
+              <a:t>Rule Builder</a:t>
+            </a:r>
+          </a:p>
+          <a:p>
+            <a:pPr lvl="1"/>
+            <a:endParaRPr lang="en-US" dirty="0"/>
+          </a:p>
+        </p:txBody>
+      </p:sp>
+    </p:spTree>
+    <p:extLst>
+      <p:ext uri="{BB962C8B-B14F-4D97-AF65-F5344CB8AC3E}">
+        <p14:creationId xmlns:p14="http://schemas.microsoft.com/office/powerpoint/2010/main" val="4162303227"/>
       </p:ext>
     </p:extLst>
   </p:cSld>

--- a/docs/DesignArchitecture.pptx
+++ b/docs/DesignArchitecture.pptx
@@ -13,8 +13,9 @@
     <p:sldId id="258" r:id="rId7"/>
     <p:sldId id="264" r:id="rId8"/>
     <p:sldId id="259" r:id="rId9"/>
-    <p:sldId id="261" r:id="rId10"/>
-    <p:sldId id="263" r:id="rId11"/>
+    <p:sldId id="266" r:id="rId10"/>
+    <p:sldId id="261" r:id="rId11"/>
+    <p:sldId id="263" r:id="rId12"/>
   </p:sldIdLst>
   <p:sldSz cx="12192000" cy="6858000"/>
   <p:notesSz cx="6858000" cy="9144000"/>
@@ -113,6 +114,11 @@
       </a:defRPr>
     </a:lvl9pPr>
   </p:defaultTextStyle>
+  <p:extLst>
+    <p:ext uri="{EFAFB233-063F-42B5-8137-9DF3F51BA10A}">
+      <p15:sldGuideLst xmlns:p15="http://schemas.microsoft.com/office/powerpoint/2012/main"/>
+    </p:ext>
+  </p:extLst>
 </p:presentation>
 </file>
 
@@ -864,6 +870,753 @@
 </file>
 
 <file path=ppt/diagrams/colors2.xml><?xml version="1.0" encoding="utf-8"?>
+<dgm:colorsDef xmlns:dgm="http://schemas.openxmlformats.org/drawingml/2006/diagram" xmlns:a="http://schemas.openxmlformats.org/drawingml/2006/main" uniqueId="urn:microsoft.com/office/officeart/2005/8/colors/accent1_2">
+  <dgm:title val=""/>
+  <dgm:desc val=""/>
+  <dgm:catLst>
+    <dgm:cat type="accent1" pri="11200"/>
+  </dgm:catLst>
+  <dgm:styleLbl name="node0">
+    <dgm:fillClrLst meth="repeat">
+      <a:schemeClr val="accent1"/>
+    </dgm:fillClrLst>
+    <dgm:linClrLst meth="repeat">
+      <a:schemeClr val="lt1"/>
+    </dgm:linClrLst>
+    <dgm:effectClrLst/>
+    <dgm:txLinClrLst/>
+    <dgm:txFillClrLst/>
+    <dgm:txEffectClrLst/>
+  </dgm:styleLbl>
+  <dgm:styleLbl name="alignNode1">
+    <dgm:fillClrLst meth="repeat">
+      <a:schemeClr val="accent1"/>
+    </dgm:fillClrLst>
+    <dgm:linClrLst meth="repeat">
+      <a:schemeClr val="accent1"/>
+    </dgm:linClrLst>
+    <dgm:effectClrLst/>
+    <dgm:txLinClrLst/>
+    <dgm:txFillClrLst/>
+    <dgm:txEffectClrLst/>
+  </dgm:styleLbl>
+  <dgm:styleLbl name="node1">
+    <dgm:fillClrLst meth="repeat">
+      <a:schemeClr val="accent1"/>
+    </dgm:fillClrLst>
+    <dgm:linClrLst meth="repeat">
+      <a:schemeClr val="lt1"/>
+    </dgm:linClrLst>
+    <dgm:effectClrLst/>
+    <dgm:txLinClrLst/>
+    <dgm:txFillClrLst/>
+    <dgm:txEffectClrLst/>
+  </dgm:styleLbl>
+  <dgm:styleLbl name="lnNode1">
+    <dgm:fillClrLst meth="repeat">
+      <a:schemeClr val="accent1"/>
+    </dgm:fillClrLst>
+    <dgm:linClrLst meth="repeat">
+      <a:schemeClr val="lt1"/>
+    </dgm:linClrLst>
+    <dgm:effectClrLst/>
+    <dgm:txLinClrLst/>
+    <dgm:txFillClrLst/>
+    <dgm:txEffectClrLst/>
+  </dgm:styleLbl>
+  <dgm:styleLbl name="vennNode1">
+    <dgm:fillClrLst meth="repeat">
+      <a:schemeClr val="accent1">
+        <a:alpha val="50000"/>
+      </a:schemeClr>
+    </dgm:fillClrLst>
+    <dgm:linClrLst meth="repeat">
+      <a:schemeClr val="lt1"/>
+    </dgm:linClrLst>
+    <dgm:effectClrLst/>
+    <dgm:txLinClrLst/>
+    <dgm:txFillClrLst/>
+    <dgm:txEffectClrLst/>
+  </dgm:styleLbl>
+  <dgm:styleLbl name="node2">
+    <dgm:fillClrLst meth="repeat">
+      <a:schemeClr val="accent1"/>
+    </dgm:fillClrLst>
+    <dgm:linClrLst meth="repeat">
+      <a:schemeClr val="lt1"/>
+    </dgm:linClrLst>
+    <dgm:effectClrLst/>
+    <dgm:txLinClrLst/>
+    <dgm:txFillClrLst/>
+    <dgm:txEffectClrLst/>
+  </dgm:styleLbl>
+  <dgm:styleLbl name="node3">
+    <dgm:fillClrLst meth="repeat">
+      <a:schemeClr val="accent1"/>
+    </dgm:fillClrLst>
+    <dgm:linClrLst meth="repeat">
+      <a:schemeClr val="lt1"/>
+    </dgm:linClrLst>
+    <dgm:effectClrLst/>
+    <dgm:txLinClrLst/>
+    <dgm:txFillClrLst/>
+    <dgm:txEffectClrLst/>
+  </dgm:styleLbl>
+  <dgm:styleLbl name="node4">
+    <dgm:fillClrLst meth="repeat">
+      <a:schemeClr val="accent1"/>
+    </dgm:fillClrLst>
+    <dgm:linClrLst meth="repeat">
+      <a:schemeClr val="lt1"/>
+    </dgm:linClrLst>
+    <dgm:effectClrLst/>
+    <dgm:txLinClrLst/>
+    <dgm:txFillClrLst/>
+    <dgm:txEffectClrLst/>
+  </dgm:styleLbl>
+  <dgm:styleLbl name="fgImgPlace1">
+    <dgm:fillClrLst meth="repeat">
+      <a:schemeClr val="accent1">
+        <a:tint val="50000"/>
+      </a:schemeClr>
+    </dgm:fillClrLst>
+    <dgm:linClrLst meth="repeat">
+      <a:schemeClr val="lt1"/>
+    </dgm:linClrLst>
+    <dgm:effectClrLst/>
+    <dgm:txLinClrLst/>
+    <dgm:txFillClrLst meth="repeat">
+      <a:schemeClr val="lt1"/>
+    </dgm:txFillClrLst>
+    <dgm:txEffectClrLst/>
+  </dgm:styleLbl>
+  <dgm:styleLbl name="alignImgPlace1">
+    <dgm:fillClrLst meth="repeat">
+      <a:schemeClr val="accent1">
+        <a:tint val="50000"/>
+      </a:schemeClr>
+    </dgm:fillClrLst>
+    <dgm:linClrLst meth="repeat">
+      <a:schemeClr val="lt1"/>
+    </dgm:linClrLst>
+    <dgm:effectClrLst/>
+    <dgm:txLinClrLst/>
+    <dgm:txFillClrLst meth="repeat">
+      <a:schemeClr val="lt1"/>
+    </dgm:txFillClrLst>
+    <dgm:txEffectClrLst/>
+  </dgm:styleLbl>
+  <dgm:styleLbl name="bgImgPlace1">
+    <dgm:fillClrLst meth="repeat">
+      <a:schemeClr val="accent1">
+        <a:tint val="50000"/>
+      </a:schemeClr>
+    </dgm:fillClrLst>
+    <dgm:linClrLst meth="repeat">
+      <a:schemeClr val="lt1"/>
+    </dgm:linClrLst>
+    <dgm:effectClrLst/>
+    <dgm:txLinClrLst/>
+    <dgm:txFillClrLst meth="repeat">
+      <a:schemeClr val="lt1"/>
+    </dgm:txFillClrLst>
+    <dgm:txEffectClrLst/>
+  </dgm:styleLbl>
+  <dgm:styleLbl name="sibTrans2D1">
+    <dgm:fillClrLst meth="repeat">
+      <a:schemeClr val="accent1">
+        <a:tint val="60000"/>
+      </a:schemeClr>
+    </dgm:fillClrLst>
+    <dgm:linClrLst meth="repeat">
+      <a:schemeClr val="accent1">
+        <a:tint val="60000"/>
+      </a:schemeClr>
+    </dgm:linClrLst>
+    <dgm:effectClrLst/>
+    <dgm:txLinClrLst/>
+    <dgm:txFillClrLst/>
+    <dgm:txEffectClrLst/>
+  </dgm:styleLbl>
+  <dgm:styleLbl name="fgSibTrans2D1">
+    <dgm:fillClrLst meth="repeat">
+      <a:schemeClr val="accent1">
+        <a:tint val="60000"/>
+      </a:schemeClr>
+    </dgm:fillClrLst>
+    <dgm:linClrLst meth="repeat">
+      <a:schemeClr val="accent1">
+        <a:tint val="60000"/>
+      </a:schemeClr>
+    </dgm:linClrLst>
+    <dgm:effectClrLst/>
+    <dgm:txLinClrLst/>
+    <dgm:txFillClrLst/>
+    <dgm:txEffectClrLst/>
+  </dgm:styleLbl>
+  <dgm:styleLbl name="bgSibTrans2D1">
+    <dgm:fillClrLst meth="repeat">
+      <a:schemeClr val="accent1">
+        <a:tint val="60000"/>
+      </a:schemeClr>
+    </dgm:fillClrLst>
+    <dgm:linClrLst meth="repeat">
+      <a:schemeClr val="accent1">
+        <a:tint val="60000"/>
+      </a:schemeClr>
+    </dgm:linClrLst>
+    <dgm:effectClrLst/>
+    <dgm:txLinClrLst/>
+    <dgm:txFillClrLst/>
+    <dgm:txEffectClrLst/>
+  </dgm:styleLbl>
+  <dgm:styleLbl name="sibTrans1D1">
+    <dgm:fillClrLst meth="repeat">
+      <a:schemeClr val="accent1"/>
+    </dgm:fillClrLst>
+    <dgm:linClrLst meth="repeat">
+      <a:schemeClr val="accent1"/>
+    </dgm:linClrLst>
+    <dgm:effectClrLst/>
+    <dgm:txLinClrLst/>
+    <dgm:txFillClrLst meth="repeat">
+      <a:schemeClr val="tx1"/>
+    </dgm:txFillClrLst>
+    <dgm:txEffectClrLst/>
+  </dgm:styleLbl>
+  <dgm:styleLbl name="callout">
+    <dgm:fillClrLst meth="repeat">
+      <a:schemeClr val="accent1"/>
+    </dgm:fillClrLst>
+    <dgm:linClrLst meth="repeat">
+      <a:schemeClr val="accent1">
+        <a:tint val="50000"/>
+      </a:schemeClr>
+    </dgm:linClrLst>
+    <dgm:effectClrLst/>
+    <dgm:txLinClrLst/>
+    <dgm:txFillClrLst meth="repeat">
+      <a:schemeClr val="tx1"/>
+    </dgm:txFillClrLst>
+    <dgm:txEffectClrLst/>
+  </dgm:styleLbl>
+  <dgm:styleLbl name="asst0">
+    <dgm:fillClrLst meth="repeat">
+      <a:schemeClr val="accent1"/>
+    </dgm:fillClrLst>
+    <dgm:linClrLst meth="repeat">
+      <a:schemeClr val="lt1"/>
+    </dgm:linClrLst>
+    <dgm:effectClrLst/>
+    <dgm:txLinClrLst/>
+    <dgm:txFillClrLst/>
+    <dgm:txEffectClrLst/>
+  </dgm:styleLbl>
+  <dgm:styleLbl name="asst1">
+    <dgm:fillClrLst meth="repeat">
+      <a:schemeClr val="accent1"/>
+    </dgm:fillClrLst>
+    <dgm:linClrLst meth="repeat">
+      <a:schemeClr val="lt1"/>
+    </dgm:linClrLst>
+    <dgm:effectClrLst/>
+    <dgm:txLinClrLst/>
+    <dgm:txFillClrLst/>
+    <dgm:txEffectClrLst/>
+  </dgm:styleLbl>
+  <dgm:styleLbl name="asst2">
+    <dgm:fillClrLst meth="repeat">
+      <a:schemeClr val="accent1"/>
+    </dgm:fillClrLst>
+    <dgm:linClrLst meth="repeat">
+      <a:schemeClr val="lt1"/>
+    </dgm:linClrLst>
+    <dgm:effectClrLst/>
+    <dgm:txLinClrLst/>
+    <dgm:txFillClrLst/>
+    <dgm:txEffectClrLst/>
+  </dgm:styleLbl>
+  <dgm:styleLbl name="asst3">
+    <dgm:fillClrLst meth="repeat">
+      <a:schemeClr val="accent1"/>
+    </dgm:fillClrLst>
+    <dgm:linClrLst meth="repeat">
+      <a:schemeClr val="lt1"/>
+    </dgm:linClrLst>
+    <dgm:effectClrLst/>
+    <dgm:txLinClrLst/>
+    <dgm:txFillClrLst/>
+    <dgm:txEffectClrLst/>
+  </dgm:styleLbl>
+  <dgm:styleLbl name="asst4">
+    <dgm:fillClrLst meth="repeat">
+      <a:schemeClr val="accent1"/>
+    </dgm:fillClrLst>
+    <dgm:linClrLst meth="repeat">
+      <a:schemeClr val="lt1"/>
+    </dgm:linClrLst>
+    <dgm:effectClrLst/>
+    <dgm:txLinClrLst/>
+    <dgm:txFillClrLst/>
+    <dgm:txEffectClrLst/>
+  </dgm:styleLbl>
+  <dgm:styleLbl name="parChTrans2D1">
+    <dgm:fillClrLst meth="repeat">
+      <a:schemeClr val="accent1">
+        <a:tint val="60000"/>
+      </a:schemeClr>
+    </dgm:fillClrLst>
+    <dgm:linClrLst meth="repeat">
+      <a:schemeClr val="accent1">
+        <a:tint val="60000"/>
+      </a:schemeClr>
+    </dgm:linClrLst>
+    <dgm:effectClrLst/>
+    <dgm:txLinClrLst/>
+    <dgm:txFillClrLst meth="repeat">
+      <a:schemeClr val="lt1"/>
+    </dgm:txFillClrLst>
+    <dgm:txEffectClrLst/>
+  </dgm:styleLbl>
+  <dgm:styleLbl name="parChTrans2D2">
+    <dgm:fillClrLst meth="repeat">
+      <a:schemeClr val="accent1"/>
+    </dgm:fillClrLst>
+    <dgm:linClrLst meth="repeat">
+      <a:schemeClr val="accent1"/>
+    </dgm:linClrLst>
+    <dgm:effectClrLst/>
+    <dgm:txLinClrLst/>
+    <dgm:txFillClrLst meth="repeat">
+      <a:schemeClr val="lt1"/>
+    </dgm:txFillClrLst>
+    <dgm:txEffectClrLst/>
+  </dgm:styleLbl>
+  <dgm:styleLbl name="parChTrans2D3">
+    <dgm:fillClrLst meth="repeat">
+      <a:schemeClr val="accent1"/>
+    </dgm:fillClrLst>
+    <dgm:linClrLst meth="repeat">
+      <a:schemeClr val="accent1"/>
+    </dgm:linClrLst>
+    <dgm:effectClrLst/>
+    <dgm:txLinClrLst/>
+    <dgm:txFillClrLst meth="repeat">
+      <a:schemeClr val="lt1"/>
+    </dgm:txFillClrLst>
+    <dgm:txEffectClrLst/>
+  </dgm:styleLbl>
+  <dgm:styleLbl name="parChTrans2D4">
+    <dgm:fillClrLst meth="repeat">
+      <a:schemeClr val="accent1"/>
+    </dgm:fillClrLst>
+    <dgm:linClrLst meth="repeat">
+      <a:schemeClr val="accent1"/>
+    </dgm:linClrLst>
+    <dgm:effectClrLst/>
+    <dgm:txLinClrLst/>
+    <dgm:txFillClrLst meth="repeat">
+      <a:schemeClr val="lt1"/>
+    </dgm:txFillClrLst>
+    <dgm:txEffectClrLst/>
+  </dgm:styleLbl>
+  <dgm:styleLbl name="parChTrans1D1">
+    <dgm:fillClrLst meth="repeat">
+      <a:schemeClr val="accent1"/>
+    </dgm:fillClrLst>
+    <dgm:linClrLst meth="repeat">
+      <a:schemeClr val="accent1">
+        <a:shade val="60000"/>
+      </a:schemeClr>
+    </dgm:linClrLst>
+    <dgm:effectClrLst/>
+    <dgm:txLinClrLst/>
+    <dgm:txFillClrLst meth="repeat">
+      <a:schemeClr val="tx1"/>
+    </dgm:txFillClrLst>
+    <dgm:txEffectClrLst/>
+  </dgm:styleLbl>
+  <dgm:styleLbl name="parChTrans1D2">
+    <dgm:fillClrLst meth="repeat">
+      <a:schemeClr val="accent1"/>
+    </dgm:fillClrLst>
+    <dgm:linClrLst meth="repeat">
+      <a:schemeClr val="accent1">
+        <a:shade val="60000"/>
+      </a:schemeClr>
+    </dgm:linClrLst>
+    <dgm:effectClrLst/>
+    <dgm:txLinClrLst/>
+    <dgm:txFillClrLst meth="repeat">
+      <a:schemeClr val="tx1"/>
+    </dgm:txFillClrLst>
+    <dgm:txEffectClrLst/>
+  </dgm:styleLbl>
+  <dgm:styleLbl name="parChTrans1D3">
+    <dgm:fillClrLst meth="repeat">
+      <a:schemeClr val="accent1"/>
+    </dgm:fillClrLst>
+    <dgm:linClrLst meth="repeat">
+      <a:schemeClr val="accent1">
+        <a:shade val="80000"/>
+      </a:schemeClr>
+    </dgm:linClrLst>
+    <dgm:effectClrLst/>
+    <dgm:txLinClrLst/>
+    <dgm:txFillClrLst meth="repeat">
+      <a:schemeClr val="tx1"/>
+    </dgm:txFillClrLst>
+    <dgm:txEffectClrLst/>
+  </dgm:styleLbl>
+  <dgm:styleLbl name="parChTrans1D4">
+    <dgm:fillClrLst meth="repeat">
+      <a:schemeClr val="accent1"/>
+    </dgm:fillClrLst>
+    <dgm:linClrLst meth="repeat">
+      <a:schemeClr val="accent1">
+        <a:shade val="80000"/>
+      </a:schemeClr>
+    </dgm:linClrLst>
+    <dgm:effectClrLst/>
+    <dgm:txLinClrLst/>
+    <dgm:txFillClrLst meth="repeat">
+      <a:schemeClr val="tx1"/>
+    </dgm:txFillClrLst>
+    <dgm:txEffectClrLst/>
+  </dgm:styleLbl>
+  <dgm:styleLbl name="fgAcc1">
+    <dgm:fillClrLst meth="repeat">
+      <a:schemeClr val="lt1">
+        <a:alpha val="90000"/>
+      </a:schemeClr>
+    </dgm:fillClrLst>
+    <dgm:linClrLst meth="repeat">
+      <a:schemeClr val="accent1"/>
+    </dgm:linClrLst>
+    <dgm:effectClrLst/>
+    <dgm:txLinClrLst/>
+    <dgm:txFillClrLst meth="repeat">
+      <a:schemeClr val="dk1"/>
+    </dgm:txFillClrLst>
+    <dgm:txEffectClrLst/>
+  </dgm:styleLbl>
+  <dgm:styleLbl name="conFgAcc1">
+    <dgm:fillClrLst meth="repeat">
+      <a:schemeClr val="lt1">
+        <a:alpha val="90000"/>
+      </a:schemeClr>
+    </dgm:fillClrLst>
+    <dgm:linClrLst meth="repeat">
+      <a:schemeClr val="accent1"/>
+    </dgm:linClrLst>
+    <dgm:effectClrLst/>
+    <dgm:txLinClrLst/>
+    <dgm:txFillClrLst meth="repeat">
+      <a:schemeClr val="dk1"/>
+    </dgm:txFillClrLst>
+    <dgm:txEffectClrLst/>
+  </dgm:styleLbl>
+  <dgm:styleLbl name="alignAcc1">
+    <dgm:fillClrLst meth="repeat">
+      <a:schemeClr val="lt1">
+        <a:alpha val="90000"/>
+      </a:schemeClr>
+    </dgm:fillClrLst>
+    <dgm:linClrLst meth="repeat">
+      <a:schemeClr val="accent1"/>
+    </dgm:linClrLst>
+    <dgm:effectClrLst/>
+    <dgm:txLinClrLst/>
+    <dgm:txFillClrLst meth="repeat">
+      <a:schemeClr val="dk1"/>
+    </dgm:txFillClrLst>
+    <dgm:txEffectClrLst/>
+  </dgm:styleLbl>
+  <dgm:styleLbl name="trAlignAcc1">
+    <dgm:fillClrLst meth="repeat">
+      <a:schemeClr val="lt1">
+        <a:alpha val="40000"/>
+      </a:schemeClr>
+    </dgm:fillClrLst>
+    <dgm:linClrLst meth="repeat">
+      <a:schemeClr val="accent1"/>
+    </dgm:linClrLst>
+    <dgm:effectClrLst/>
+    <dgm:txLinClrLst/>
+    <dgm:txFillClrLst meth="repeat">
+      <a:schemeClr val="dk1"/>
+    </dgm:txFillClrLst>
+    <dgm:txEffectClrLst/>
+  </dgm:styleLbl>
+  <dgm:styleLbl name="bgAcc1">
+    <dgm:fillClrLst meth="repeat">
+      <a:schemeClr val="lt1">
+        <a:alpha val="90000"/>
+      </a:schemeClr>
+    </dgm:fillClrLst>
+    <dgm:linClrLst meth="repeat">
+      <a:schemeClr val="accent1"/>
+    </dgm:linClrLst>
+    <dgm:effectClrLst/>
+    <dgm:txLinClrLst/>
+    <dgm:txFillClrLst meth="repeat">
+      <a:schemeClr val="dk1"/>
+    </dgm:txFillClrLst>
+    <dgm:txEffectClrLst/>
+  </dgm:styleLbl>
+  <dgm:styleLbl name="solidFgAcc1">
+    <dgm:fillClrLst meth="repeat">
+      <a:schemeClr val="lt1"/>
+    </dgm:fillClrLst>
+    <dgm:linClrLst meth="repeat">
+      <a:schemeClr val="accent1"/>
+    </dgm:linClrLst>
+    <dgm:effectClrLst/>
+    <dgm:txLinClrLst/>
+    <dgm:txFillClrLst meth="repeat">
+      <a:schemeClr val="dk1"/>
+    </dgm:txFillClrLst>
+    <dgm:txEffectClrLst/>
+  </dgm:styleLbl>
+  <dgm:styleLbl name="solidAlignAcc1">
+    <dgm:fillClrLst meth="repeat">
+      <a:schemeClr val="lt1"/>
+    </dgm:fillClrLst>
+    <dgm:linClrLst meth="repeat">
+      <a:schemeClr val="accent1"/>
+    </dgm:linClrLst>
+    <dgm:effectClrLst/>
+    <dgm:txLinClrLst/>
+    <dgm:txFillClrLst meth="repeat">
+      <a:schemeClr val="dk1"/>
+    </dgm:txFillClrLst>
+    <dgm:txEffectClrLst/>
+  </dgm:styleLbl>
+  <dgm:styleLbl name="solidBgAcc1">
+    <dgm:fillClrLst meth="repeat">
+      <a:schemeClr val="lt1"/>
+    </dgm:fillClrLst>
+    <dgm:linClrLst meth="repeat">
+      <a:schemeClr val="accent1"/>
+    </dgm:linClrLst>
+    <dgm:effectClrLst/>
+    <dgm:txLinClrLst/>
+    <dgm:txFillClrLst meth="repeat">
+      <a:schemeClr val="dk1"/>
+    </dgm:txFillClrLst>
+    <dgm:txEffectClrLst/>
+  </dgm:styleLbl>
+  <dgm:styleLbl name="fgAccFollowNode1">
+    <dgm:fillClrLst meth="repeat">
+      <a:schemeClr val="accent1">
+        <a:alpha val="90000"/>
+        <a:tint val="40000"/>
+      </a:schemeClr>
+    </dgm:fillClrLst>
+    <dgm:linClrLst meth="repeat">
+      <a:schemeClr val="accent1">
+        <a:alpha val="90000"/>
+        <a:tint val="40000"/>
+      </a:schemeClr>
+    </dgm:linClrLst>
+    <dgm:effectClrLst/>
+    <dgm:txLinClrLst/>
+    <dgm:txFillClrLst meth="repeat">
+      <a:schemeClr val="dk1"/>
+    </dgm:txFillClrLst>
+    <dgm:txEffectClrLst/>
+  </dgm:styleLbl>
+  <dgm:styleLbl name="alignAccFollowNode1">
+    <dgm:fillClrLst meth="repeat">
+      <a:schemeClr val="accent1">
+        <a:alpha val="90000"/>
+        <a:tint val="40000"/>
+      </a:schemeClr>
+    </dgm:fillClrLst>
+    <dgm:linClrLst meth="repeat">
+      <a:schemeClr val="accent1">
+        <a:alpha val="90000"/>
+        <a:tint val="40000"/>
+      </a:schemeClr>
+    </dgm:linClrLst>
+    <dgm:effectClrLst/>
+    <dgm:txLinClrLst/>
+    <dgm:txFillClrLst meth="repeat">
+      <a:schemeClr val="dk1"/>
+    </dgm:txFillClrLst>
+    <dgm:txEffectClrLst/>
+  </dgm:styleLbl>
+  <dgm:styleLbl name="bgAccFollowNode1">
+    <dgm:fillClrLst meth="repeat">
+      <a:schemeClr val="accent1">
+        <a:alpha val="90000"/>
+        <a:tint val="40000"/>
+      </a:schemeClr>
+    </dgm:fillClrLst>
+    <dgm:linClrLst meth="repeat">
+      <a:schemeClr val="accent1">
+        <a:alpha val="90000"/>
+        <a:tint val="40000"/>
+      </a:schemeClr>
+    </dgm:linClrLst>
+    <dgm:effectClrLst/>
+    <dgm:txLinClrLst/>
+    <dgm:txFillClrLst meth="repeat">
+      <a:schemeClr val="dk1"/>
+    </dgm:txFillClrLst>
+    <dgm:txEffectClrLst/>
+  </dgm:styleLbl>
+  <dgm:styleLbl name="fgAcc0">
+    <dgm:fillClrLst meth="repeat">
+      <a:schemeClr val="lt1">
+        <a:alpha val="90000"/>
+      </a:schemeClr>
+    </dgm:fillClrLst>
+    <dgm:linClrLst meth="repeat">
+      <a:schemeClr val="accent1"/>
+    </dgm:linClrLst>
+    <dgm:effectClrLst/>
+    <dgm:txLinClrLst/>
+    <dgm:txFillClrLst meth="repeat">
+      <a:schemeClr val="dk1"/>
+    </dgm:txFillClrLst>
+    <dgm:txEffectClrLst/>
+  </dgm:styleLbl>
+  <dgm:styleLbl name="fgAcc2">
+    <dgm:fillClrLst meth="repeat">
+      <a:schemeClr val="lt1">
+        <a:alpha val="90000"/>
+      </a:schemeClr>
+    </dgm:fillClrLst>
+    <dgm:linClrLst meth="repeat">
+      <a:schemeClr val="accent1"/>
+    </dgm:linClrLst>
+    <dgm:effectClrLst/>
+    <dgm:txLinClrLst/>
+    <dgm:txFillClrLst meth="repeat">
+      <a:schemeClr val="dk1"/>
+    </dgm:txFillClrLst>
+    <dgm:txEffectClrLst/>
+  </dgm:styleLbl>
+  <dgm:styleLbl name="fgAcc3">
+    <dgm:fillClrLst meth="repeat">
+      <a:schemeClr val="lt1">
+        <a:alpha val="90000"/>
+      </a:schemeClr>
+    </dgm:fillClrLst>
+    <dgm:linClrLst meth="repeat">
+      <a:schemeClr val="accent1"/>
+    </dgm:linClrLst>
+    <dgm:effectClrLst/>
+    <dgm:txLinClrLst/>
+    <dgm:txFillClrLst meth="repeat">
+      <a:schemeClr val="dk1"/>
+    </dgm:txFillClrLst>
+    <dgm:txEffectClrLst/>
+  </dgm:styleLbl>
+  <dgm:styleLbl name="fgAcc4">
+    <dgm:fillClrLst meth="repeat">
+      <a:schemeClr val="lt1">
+        <a:alpha val="90000"/>
+      </a:schemeClr>
+    </dgm:fillClrLst>
+    <dgm:linClrLst meth="repeat">
+      <a:schemeClr val="accent1"/>
+    </dgm:linClrLst>
+    <dgm:effectClrLst/>
+    <dgm:txLinClrLst/>
+    <dgm:txFillClrLst meth="repeat">
+      <a:schemeClr val="dk1"/>
+    </dgm:txFillClrLst>
+    <dgm:txEffectClrLst/>
+  </dgm:styleLbl>
+  <dgm:styleLbl name="bgShp">
+    <dgm:fillClrLst meth="repeat">
+      <a:schemeClr val="accent1">
+        <a:tint val="40000"/>
+      </a:schemeClr>
+    </dgm:fillClrLst>
+    <dgm:linClrLst meth="repeat">
+      <a:schemeClr val="accent1"/>
+    </dgm:linClrLst>
+    <dgm:effectClrLst/>
+    <dgm:txLinClrLst/>
+    <dgm:txFillClrLst meth="repeat">
+      <a:schemeClr val="dk1"/>
+    </dgm:txFillClrLst>
+    <dgm:txEffectClrLst/>
+  </dgm:styleLbl>
+  <dgm:styleLbl name="dkBgShp">
+    <dgm:fillClrLst meth="repeat">
+      <a:schemeClr val="accent1">
+        <a:shade val="80000"/>
+      </a:schemeClr>
+    </dgm:fillClrLst>
+    <dgm:linClrLst meth="repeat">
+      <a:schemeClr val="accent1"/>
+    </dgm:linClrLst>
+    <dgm:effectClrLst/>
+    <dgm:txLinClrLst/>
+    <dgm:txFillClrLst meth="repeat">
+      <a:schemeClr val="lt1"/>
+    </dgm:txFillClrLst>
+    <dgm:txEffectClrLst/>
+  </dgm:styleLbl>
+  <dgm:styleLbl name="trBgShp">
+    <dgm:fillClrLst meth="repeat">
+      <a:schemeClr val="accent1">
+        <a:tint val="50000"/>
+        <a:alpha val="40000"/>
+      </a:schemeClr>
+    </dgm:fillClrLst>
+    <dgm:linClrLst meth="repeat">
+      <a:schemeClr val="accent1"/>
+    </dgm:linClrLst>
+    <dgm:effectClrLst/>
+    <dgm:txLinClrLst/>
+    <dgm:txFillClrLst meth="repeat">
+      <a:schemeClr val="lt1"/>
+    </dgm:txFillClrLst>
+    <dgm:txEffectClrLst/>
+  </dgm:styleLbl>
+  <dgm:styleLbl name="fgShp">
+    <dgm:fillClrLst meth="repeat">
+      <a:schemeClr val="accent1">
+        <a:tint val="60000"/>
+      </a:schemeClr>
+    </dgm:fillClrLst>
+    <dgm:linClrLst meth="repeat">
+      <a:schemeClr val="lt1"/>
+    </dgm:linClrLst>
+    <dgm:effectClrLst/>
+    <dgm:txLinClrLst/>
+    <dgm:txFillClrLst meth="repeat">
+      <a:schemeClr val="dk1"/>
+    </dgm:txFillClrLst>
+    <dgm:txEffectClrLst/>
+  </dgm:styleLbl>
+  <dgm:styleLbl name="revTx">
+    <dgm:fillClrLst meth="repeat">
+      <a:schemeClr val="lt1">
+        <a:alpha val="0"/>
+      </a:schemeClr>
+    </dgm:fillClrLst>
+    <dgm:linClrLst meth="repeat">
+      <a:schemeClr val="dk1">
+        <a:alpha val="0"/>
+      </a:schemeClr>
+    </dgm:linClrLst>
+    <dgm:effectClrLst/>
+    <dgm:txLinClrLst/>
+    <dgm:txFillClrLst meth="repeat">
+      <a:schemeClr val="tx1"/>
+    </dgm:txFillClrLst>
+    <dgm:txEffectClrLst/>
+  </dgm:styleLbl>
+</dgm:colorsDef>
+</file>
+
+<file path=ppt/diagrams/colors3.xml><?xml version="1.0" encoding="utf-8"?>
 <dgm:colorsDef xmlns:dgm="http://schemas.openxmlformats.org/drawingml/2006/diagram" xmlns:a="http://schemas.openxmlformats.org/drawingml/2006/main" uniqueId="urn:microsoft.com/office/officeart/2005/8/colors/accent1_2">
   <dgm:title val=""/>
   <dgm:desc val=""/>
@@ -2723,6 +3476,175 @@
     <dgm:cxn modelId="{E33F7CF8-27B7-4718-B94A-3CC284FAA7DD}" type="presParOf" srcId="{2C406D82-4191-446C-B5EC-F57C5366B750}" destId="{6660AA6E-BEB8-4858-A0D7-D4699760BFA3}" srcOrd="4" destOrd="0" presId="urn:microsoft.com/office/officeart/2005/8/layout/hierarchy4"/>
     <dgm:cxn modelId="{4F15C70B-6585-4B53-95C2-71700204F130}" type="presParOf" srcId="{6660AA6E-BEB8-4858-A0D7-D4699760BFA3}" destId="{7D03BF6C-FFDB-4D2D-8192-4175C949FA06}" srcOrd="0" destOrd="0" presId="urn:microsoft.com/office/officeart/2005/8/layout/hierarchy4"/>
     <dgm:cxn modelId="{AC51EF50-2B7F-4724-85BB-F975CCE4A873}" type="presParOf" srcId="{6660AA6E-BEB8-4858-A0D7-D4699760BFA3}" destId="{6C91C10A-6004-40BC-9E1D-FCFECC68A21F}" srcOrd="1" destOrd="0" presId="urn:microsoft.com/office/officeart/2005/8/layout/hierarchy4"/>
+  </dgm:cxnLst>
+  <dgm:bg/>
+  <dgm:whole/>
+  <dgm:extLst>
+    <a:ext uri="http://schemas.microsoft.com/office/drawing/2008/diagram">
+      <dsp:dataModelExt xmlns:dsp="http://schemas.microsoft.com/office/drawing/2008/diagram" relId="rId6" minVer="http://schemas.openxmlformats.org/drawingml/2006/diagram"/>
+    </a:ext>
+  </dgm:extLst>
+</dgm:dataModel>
+</file>
+
+<file path=ppt/diagrams/data3.xml><?xml version="1.0" encoding="utf-8"?>
+<dgm:dataModel xmlns:dgm="http://schemas.openxmlformats.org/drawingml/2006/diagram" xmlns:a="http://schemas.openxmlformats.org/drawingml/2006/main">
+  <dgm:ptLst>
+    <dgm:pt modelId="{BE3B1A79-D246-4167-A773-808D9F9B1841}" type="doc">
+      <dgm:prSet loTypeId="urn:microsoft.com/office/officeart/2005/8/layout/hProcess9" loCatId="process" qsTypeId="urn:microsoft.com/office/officeart/2005/8/quickstyle/simple1" qsCatId="simple" csTypeId="urn:microsoft.com/office/officeart/2005/8/colors/accent1_2" csCatId="accent1" phldr="1"/>
+      <dgm:spPr/>
+    </dgm:pt>
+    <dgm:pt modelId="{DDF18672-0EB9-4E61-B2D5-111A1859F4D5}">
+      <dgm:prSet phldrT="[Text]"/>
+      <dgm:spPr/>
+      <dgm:t>
+        <a:bodyPr/>
+        <a:lstStyle/>
+        <a:p>
+          <a:r>
+            <a:rPr lang="en-US" dirty="0" err="1"/>
+            <a:t>HttpGet</a:t>
+          </a:r>
+          <a:r>
+            <a:rPr lang="en-US" dirty="0"/>
+            <a:t> from server</a:t>
+          </a:r>
+        </a:p>
+      </dgm:t>
+    </dgm:pt>
+    <dgm:pt modelId="{69B7937B-82F7-4854-9845-BA910EBC81F8}" type="parTrans" cxnId="{AF7A86D6-ECA3-46A6-96AB-FCA7F803BA18}">
+      <dgm:prSet/>
+      <dgm:spPr/>
+    </dgm:pt>
+    <dgm:pt modelId="{1C07019D-EFED-4E5F-9B7E-F0FE672ABA73}" type="sibTrans" cxnId="{AF7A86D6-ECA3-46A6-96AB-FCA7F803BA18}">
+      <dgm:prSet/>
+      <dgm:spPr/>
+    </dgm:pt>
+    <dgm:pt modelId="{E43B9047-9757-412A-B56D-77BA12DDF029}">
+      <dgm:prSet phldrT="[Text]"/>
+      <dgm:spPr/>
+      <dgm:t>
+        <a:bodyPr/>
+        <a:lstStyle/>
+        <a:p>
+          <a:r>
+            <a:rPr lang="en-US" dirty="0"/>
+            <a:t>Subscriber filter data </a:t>
+          </a:r>
+          <a:r>
+            <a:rPr lang="en-US" dirty="0" err="1"/>
+            <a:t>clientside</a:t>
+          </a:r>
+          <a:r>
+            <a:rPr lang="en-US" dirty="0"/>
+            <a:t> in Angular App</a:t>
+          </a:r>
+        </a:p>
+      </dgm:t>
+    </dgm:pt>
+    <dgm:pt modelId="{CBC27E1E-DDB8-4579-92BA-536B5A67BDF5}" type="parTrans" cxnId="{D0F9A6D2-A48F-4E27-BBB1-10CFB7D1C192}">
+      <dgm:prSet/>
+      <dgm:spPr/>
+    </dgm:pt>
+    <dgm:pt modelId="{DB583DF7-6105-4D09-9234-0FBCE9C29D5B}" type="sibTrans" cxnId="{D0F9A6D2-A48F-4E27-BBB1-10CFB7D1C192}">
+      <dgm:prSet/>
+      <dgm:spPr/>
+    </dgm:pt>
+    <dgm:pt modelId="{2F39A390-883C-47F3-B111-83B6A57AE199}">
+      <dgm:prSet phldrT="[Text]"/>
+      <dgm:spPr/>
+      <dgm:t>
+        <a:bodyPr/>
+        <a:lstStyle/>
+        <a:p>
+          <a:r>
+            <a:rPr lang="en-US" dirty="0"/>
+            <a:t>Subscriber map data to a different </a:t>
+          </a:r>
+          <a:r>
+            <a:rPr lang="en-US" dirty="0" err="1"/>
+            <a:t>json</a:t>
+          </a:r>
+          <a:r>
+            <a:rPr lang="en-US" dirty="0"/>
+            <a:t> object</a:t>
+          </a:r>
+        </a:p>
+      </dgm:t>
+    </dgm:pt>
+    <dgm:pt modelId="{BB44C59D-562C-4BAF-9198-293A1EB88B4B}" type="parTrans" cxnId="{54E57699-225B-49F0-A1E6-277207076441}">
+      <dgm:prSet/>
+      <dgm:spPr/>
+    </dgm:pt>
+    <dgm:pt modelId="{A2181582-FEDA-4F87-8C60-9843F6D80F35}" type="sibTrans" cxnId="{54E57699-225B-49F0-A1E6-277207076441}">
+      <dgm:prSet/>
+      <dgm:spPr/>
+    </dgm:pt>
+    <dgm:pt modelId="{82BB9A63-C985-4DDD-BD45-9790492425D9}" type="pres">
+      <dgm:prSet presAssocID="{BE3B1A79-D246-4167-A773-808D9F9B1841}" presName="CompostProcess" presStyleCnt="0">
+        <dgm:presLayoutVars>
+          <dgm:dir/>
+          <dgm:resizeHandles val="exact"/>
+        </dgm:presLayoutVars>
+      </dgm:prSet>
+      <dgm:spPr/>
+    </dgm:pt>
+    <dgm:pt modelId="{4BF6C6E7-4910-4549-8E11-DD314A36C5FF}" type="pres">
+      <dgm:prSet presAssocID="{BE3B1A79-D246-4167-A773-808D9F9B1841}" presName="arrow" presStyleLbl="bgShp" presStyleIdx="0" presStyleCnt="1"/>
+      <dgm:spPr/>
+    </dgm:pt>
+    <dgm:pt modelId="{9A8327AF-981A-471D-85F7-0DF8AB28FB19}" type="pres">
+      <dgm:prSet presAssocID="{BE3B1A79-D246-4167-A773-808D9F9B1841}" presName="linearProcess" presStyleCnt="0"/>
+      <dgm:spPr/>
+    </dgm:pt>
+    <dgm:pt modelId="{681B10CF-6593-4926-9B7D-AF1939ECDDC7}" type="pres">
+      <dgm:prSet presAssocID="{DDF18672-0EB9-4E61-B2D5-111A1859F4D5}" presName="textNode" presStyleLbl="node1" presStyleIdx="0" presStyleCnt="3">
+        <dgm:presLayoutVars>
+          <dgm:bulletEnabled val="1"/>
+        </dgm:presLayoutVars>
+      </dgm:prSet>
+      <dgm:spPr/>
+    </dgm:pt>
+    <dgm:pt modelId="{3736620E-1D60-4B30-ABEB-BBFFDF99DA9E}" type="pres">
+      <dgm:prSet presAssocID="{1C07019D-EFED-4E5F-9B7E-F0FE672ABA73}" presName="sibTrans" presStyleCnt="0"/>
+      <dgm:spPr/>
+    </dgm:pt>
+    <dgm:pt modelId="{76042477-9270-480F-A943-68E3B6F8E65A}" type="pres">
+      <dgm:prSet presAssocID="{E43B9047-9757-412A-B56D-77BA12DDF029}" presName="textNode" presStyleLbl="node1" presStyleIdx="1" presStyleCnt="3">
+        <dgm:presLayoutVars>
+          <dgm:bulletEnabled val="1"/>
+        </dgm:presLayoutVars>
+      </dgm:prSet>
+      <dgm:spPr/>
+    </dgm:pt>
+    <dgm:pt modelId="{2BEA9457-DD63-49C7-A179-7F73722B51B3}" type="pres">
+      <dgm:prSet presAssocID="{DB583DF7-6105-4D09-9234-0FBCE9C29D5B}" presName="sibTrans" presStyleCnt="0"/>
+      <dgm:spPr/>
+    </dgm:pt>
+    <dgm:pt modelId="{12DAFADF-2D0C-4574-92C4-334CBFDD07B5}" type="pres">
+      <dgm:prSet presAssocID="{2F39A390-883C-47F3-B111-83B6A57AE199}" presName="textNode" presStyleLbl="node1" presStyleIdx="2" presStyleCnt="3">
+        <dgm:presLayoutVars>
+          <dgm:bulletEnabled val="1"/>
+        </dgm:presLayoutVars>
+      </dgm:prSet>
+      <dgm:spPr/>
+    </dgm:pt>
+  </dgm:ptLst>
+  <dgm:cxnLst>
+    <dgm:cxn modelId="{246FB201-BF01-40EB-B7A0-EF25E03373F7}" type="presOf" srcId="{DDF18672-0EB9-4E61-B2D5-111A1859F4D5}" destId="{681B10CF-6593-4926-9B7D-AF1939ECDDC7}" srcOrd="0" destOrd="0" presId="urn:microsoft.com/office/officeart/2005/8/layout/hProcess9"/>
+    <dgm:cxn modelId="{1145EE49-9C35-4FD8-A750-8BDB90E8861E}" type="presOf" srcId="{2F39A390-883C-47F3-B111-83B6A57AE199}" destId="{12DAFADF-2D0C-4574-92C4-334CBFDD07B5}" srcOrd="0" destOrd="0" presId="urn:microsoft.com/office/officeart/2005/8/layout/hProcess9"/>
+    <dgm:cxn modelId="{8F2AEC4D-94D8-42DA-A649-04E4F503A103}" type="presOf" srcId="{E43B9047-9757-412A-B56D-77BA12DDF029}" destId="{76042477-9270-480F-A943-68E3B6F8E65A}" srcOrd="0" destOrd="0" presId="urn:microsoft.com/office/officeart/2005/8/layout/hProcess9"/>
+    <dgm:cxn modelId="{54E57699-225B-49F0-A1E6-277207076441}" srcId="{BE3B1A79-D246-4167-A773-808D9F9B1841}" destId="{2F39A390-883C-47F3-B111-83B6A57AE199}" srcOrd="2" destOrd="0" parTransId="{BB44C59D-562C-4BAF-9198-293A1EB88B4B}" sibTransId="{A2181582-FEDA-4F87-8C60-9843F6D80F35}"/>
+    <dgm:cxn modelId="{B77F7EB7-2FE1-4F4C-B11B-7E6F2EE4194A}" type="presOf" srcId="{BE3B1A79-D246-4167-A773-808D9F9B1841}" destId="{82BB9A63-C985-4DDD-BD45-9790492425D9}" srcOrd="0" destOrd="0" presId="urn:microsoft.com/office/officeart/2005/8/layout/hProcess9"/>
+    <dgm:cxn modelId="{D0F9A6D2-A48F-4E27-BBB1-10CFB7D1C192}" srcId="{BE3B1A79-D246-4167-A773-808D9F9B1841}" destId="{E43B9047-9757-412A-B56D-77BA12DDF029}" srcOrd="1" destOrd="0" parTransId="{CBC27E1E-DDB8-4579-92BA-536B5A67BDF5}" sibTransId="{DB583DF7-6105-4D09-9234-0FBCE9C29D5B}"/>
+    <dgm:cxn modelId="{AF7A86D6-ECA3-46A6-96AB-FCA7F803BA18}" srcId="{BE3B1A79-D246-4167-A773-808D9F9B1841}" destId="{DDF18672-0EB9-4E61-B2D5-111A1859F4D5}" srcOrd="0" destOrd="0" parTransId="{69B7937B-82F7-4854-9845-BA910EBC81F8}" sibTransId="{1C07019D-EFED-4E5F-9B7E-F0FE672ABA73}"/>
+    <dgm:cxn modelId="{34B93BC2-B2CD-48A7-A1AD-66CBA94D682C}" type="presParOf" srcId="{82BB9A63-C985-4DDD-BD45-9790492425D9}" destId="{4BF6C6E7-4910-4549-8E11-DD314A36C5FF}" srcOrd="0" destOrd="0" presId="urn:microsoft.com/office/officeart/2005/8/layout/hProcess9"/>
+    <dgm:cxn modelId="{B6B6607D-4BD7-4050-82C7-136C042C0474}" type="presParOf" srcId="{82BB9A63-C985-4DDD-BD45-9790492425D9}" destId="{9A8327AF-981A-471D-85F7-0DF8AB28FB19}" srcOrd="1" destOrd="0" presId="urn:microsoft.com/office/officeart/2005/8/layout/hProcess9"/>
+    <dgm:cxn modelId="{985AF63E-089D-4317-B617-1D2CEF69D4BA}" type="presParOf" srcId="{9A8327AF-981A-471D-85F7-0DF8AB28FB19}" destId="{681B10CF-6593-4926-9B7D-AF1939ECDDC7}" srcOrd="0" destOrd="0" presId="urn:microsoft.com/office/officeart/2005/8/layout/hProcess9"/>
+    <dgm:cxn modelId="{0D12FFE8-8B2F-4600-9625-449F39E9084E}" type="presParOf" srcId="{9A8327AF-981A-471D-85F7-0DF8AB28FB19}" destId="{3736620E-1D60-4B30-ABEB-BBFFDF99DA9E}" srcOrd="1" destOrd="0" presId="urn:microsoft.com/office/officeart/2005/8/layout/hProcess9"/>
+    <dgm:cxn modelId="{2C54E5C8-6631-49E5-878C-E5BE21F2127C}" type="presParOf" srcId="{9A8327AF-981A-471D-85F7-0DF8AB28FB19}" destId="{76042477-9270-480F-A943-68E3B6F8E65A}" srcOrd="2" destOrd="0" presId="urn:microsoft.com/office/officeart/2005/8/layout/hProcess9"/>
+    <dgm:cxn modelId="{9E91247E-D304-4AC5-882F-08A50287ED35}" type="presParOf" srcId="{9A8327AF-981A-471D-85F7-0DF8AB28FB19}" destId="{2BEA9457-DD63-49C7-A179-7F73722B51B3}" srcOrd="3" destOrd="0" presId="urn:microsoft.com/office/officeart/2005/8/layout/hProcess9"/>
+    <dgm:cxn modelId="{8EF0483E-035F-477F-A002-AD520D713CC8}" type="presParOf" srcId="{9A8327AF-981A-471D-85F7-0DF8AB28FB19}" destId="{12DAFADF-2D0C-4574-92C4-334CBFDD07B5}" srcOrd="4" destOrd="0" presId="urn:microsoft.com/office/officeart/2005/8/layout/hProcess9"/>
   </dgm:cxnLst>
   <dgm:bg/>
   <dgm:whole/>
@@ -4101,6 +5023,309 @@
 </dsp:drawing>
 </file>
 
+<file path=ppt/diagrams/drawing3.xml><?xml version="1.0" encoding="utf-8"?>
+<dsp:drawing xmlns:dgm="http://schemas.openxmlformats.org/drawingml/2006/diagram" xmlns:dsp="http://schemas.microsoft.com/office/drawing/2008/diagram" xmlns:a="http://schemas.openxmlformats.org/drawingml/2006/main">
+  <dsp:spTree>
+    <dsp:nvGrpSpPr>
+      <dsp:cNvPr id="0" name=""/>
+      <dsp:cNvGrpSpPr/>
+    </dsp:nvGrpSpPr>
+    <dsp:grpSpPr/>
+    <dsp:sp modelId="{4BF6C6E7-4910-4549-8E11-DD314A36C5FF}">
+      <dsp:nvSpPr>
+        <dsp:cNvPr id="0" name=""/>
+        <dsp:cNvSpPr/>
+      </dsp:nvSpPr>
+      <dsp:spPr>
+        <a:xfrm>
+          <a:off x="609599" y="0"/>
+          <a:ext cx="6908800" cy="5418667"/>
+        </a:xfrm>
+        <a:prstGeom prst="rightArrow">
+          <a:avLst/>
+        </a:prstGeom>
+        <a:solidFill>
+          <a:schemeClr val="accent1">
+            <a:tint val="40000"/>
+            <a:hueOff val="0"/>
+            <a:satOff val="0"/>
+            <a:lumOff val="0"/>
+            <a:alphaOff val="0"/>
+          </a:schemeClr>
+        </a:solidFill>
+        <a:ln>
+          <a:noFill/>
+        </a:ln>
+        <a:effectLst/>
+      </dsp:spPr>
+      <dsp:style>
+        <a:lnRef idx="0">
+          <a:scrgbClr r="0" g="0" b="0"/>
+        </a:lnRef>
+        <a:fillRef idx="1">
+          <a:scrgbClr r="0" g="0" b="0"/>
+        </a:fillRef>
+        <a:effectRef idx="0">
+          <a:scrgbClr r="0" g="0" b="0"/>
+        </a:effectRef>
+        <a:fontRef idx="minor"/>
+      </dsp:style>
+    </dsp:sp>
+    <dsp:sp modelId="{681B10CF-6593-4926-9B7D-AF1939ECDDC7}">
+      <dsp:nvSpPr>
+        <dsp:cNvPr id="0" name=""/>
+        <dsp:cNvSpPr/>
+      </dsp:nvSpPr>
+      <dsp:spPr>
+        <a:xfrm>
+          <a:off x="8731" y="1625600"/>
+          <a:ext cx="2616200" cy="2167466"/>
+        </a:xfrm>
+        <a:prstGeom prst="roundRect">
+          <a:avLst/>
+        </a:prstGeom>
+        <a:solidFill>
+          <a:schemeClr val="accent1">
+            <a:hueOff val="0"/>
+            <a:satOff val="0"/>
+            <a:lumOff val="0"/>
+            <a:alphaOff val="0"/>
+          </a:schemeClr>
+        </a:solidFill>
+        <a:ln w="19050" cap="rnd" cmpd="sng" algn="ctr">
+          <a:solidFill>
+            <a:schemeClr val="lt1">
+              <a:hueOff val="0"/>
+              <a:satOff val="0"/>
+              <a:lumOff val="0"/>
+              <a:alphaOff val="0"/>
+            </a:schemeClr>
+          </a:solidFill>
+          <a:prstDash val="solid"/>
+        </a:ln>
+        <a:effectLst/>
+      </dsp:spPr>
+      <dsp:style>
+        <a:lnRef idx="2">
+          <a:scrgbClr r="0" g="0" b="0"/>
+        </a:lnRef>
+        <a:fillRef idx="1">
+          <a:scrgbClr r="0" g="0" b="0"/>
+        </a:fillRef>
+        <a:effectRef idx="0">
+          <a:scrgbClr r="0" g="0" b="0"/>
+        </a:effectRef>
+        <a:fontRef idx="minor">
+          <a:schemeClr val="lt1"/>
+        </a:fontRef>
+      </dsp:style>
+      <dsp:txBody>
+        <a:bodyPr spcFirstLastPara="0" vert="horz" wrap="square" lIns="118110" tIns="118110" rIns="118110" bIns="118110" numCol="1" spcCol="1270" anchor="ctr" anchorCtr="0">
+          <a:noAutofit/>
+        </a:bodyPr>
+        <a:lstStyle/>
+        <a:p>
+          <a:pPr marL="0" lvl="0" indent="0" algn="ctr" defTabSz="1377950">
+            <a:lnSpc>
+              <a:spcPct val="90000"/>
+            </a:lnSpc>
+            <a:spcBef>
+              <a:spcPct val="0"/>
+            </a:spcBef>
+            <a:spcAft>
+              <a:spcPct val="35000"/>
+            </a:spcAft>
+            <a:buNone/>
+          </a:pPr>
+          <a:r>
+            <a:rPr lang="en-US" sz="3100" kern="1200" dirty="0" err="1"/>
+            <a:t>HttpGet</a:t>
+          </a:r>
+          <a:r>
+            <a:rPr lang="en-US" sz="3100" kern="1200" dirty="0"/>
+            <a:t> from server</a:t>
+          </a:r>
+        </a:p>
+      </dsp:txBody>
+      <dsp:txXfrm>
+        <a:off x="114538" y="1731407"/>
+        <a:ext cx="2404586" cy="1955852"/>
+      </dsp:txXfrm>
+    </dsp:sp>
+    <dsp:sp modelId="{76042477-9270-480F-A943-68E3B6F8E65A}">
+      <dsp:nvSpPr>
+        <dsp:cNvPr id="0" name=""/>
+        <dsp:cNvSpPr/>
+      </dsp:nvSpPr>
+      <dsp:spPr>
+        <a:xfrm>
+          <a:off x="2755899" y="1625600"/>
+          <a:ext cx="2616200" cy="2167466"/>
+        </a:xfrm>
+        <a:prstGeom prst="roundRect">
+          <a:avLst/>
+        </a:prstGeom>
+        <a:solidFill>
+          <a:schemeClr val="accent1">
+            <a:hueOff val="0"/>
+            <a:satOff val="0"/>
+            <a:lumOff val="0"/>
+            <a:alphaOff val="0"/>
+          </a:schemeClr>
+        </a:solidFill>
+        <a:ln w="19050" cap="rnd" cmpd="sng" algn="ctr">
+          <a:solidFill>
+            <a:schemeClr val="lt1">
+              <a:hueOff val="0"/>
+              <a:satOff val="0"/>
+              <a:lumOff val="0"/>
+              <a:alphaOff val="0"/>
+            </a:schemeClr>
+          </a:solidFill>
+          <a:prstDash val="solid"/>
+        </a:ln>
+        <a:effectLst/>
+      </dsp:spPr>
+      <dsp:style>
+        <a:lnRef idx="2">
+          <a:scrgbClr r="0" g="0" b="0"/>
+        </a:lnRef>
+        <a:fillRef idx="1">
+          <a:scrgbClr r="0" g="0" b="0"/>
+        </a:fillRef>
+        <a:effectRef idx="0">
+          <a:scrgbClr r="0" g="0" b="0"/>
+        </a:effectRef>
+        <a:fontRef idx="minor">
+          <a:schemeClr val="lt1"/>
+        </a:fontRef>
+      </dsp:style>
+      <dsp:txBody>
+        <a:bodyPr spcFirstLastPara="0" vert="horz" wrap="square" lIns="118110" tIns="118110" rIns="118110" bIns="118110" numCol="1" spcCol="1270" anchor="ctr" anchorCtr="0">
+          <a:noAutofit/>
+        </a:bodyPr>
+        <a:lstStyle/>
+        <a:p>
+          <a:pPr marL="0" lvl="0" indent="0" algn="ctr" defTabSz="1377950">
+            <a:lnSpc>
+              <a:spcPct val="90000"/>
+            </a:lnSpc>
+            <a:spcBef>
+              <a:spcPct val="0"/>
+            </a:spcBef>
+            <a:spcAft>
+              <a:spcPct val="35000"/>
+            </a:spcAft>
+            <a:buNone/>
+          </a:pPr>
+          <a:r>
+            <a:rPr lang="en-US" sz="3100" kern="1200" dirty="0"/>
+            <a:t>Subscriber filter data </a:t>
+          </a:r>
+          <a:r>
+            <a:rPr lang="en-US" sz="3100" kern="1200" dirty="0" err="1"/>
+            <a:t>clientside</a:t>
+          </a:r>
+          <a:r>
+            <a:rPr lang="en-US" sz="3100" kern="1200" dirty="0"/>
+            <a:t> in Angular App</a:t>
+          </a:r>
+        </a:p>
+      </dsp:txBody>
+      <dsp:txXfrm>
+        <a:off x="2861706" y="1731407"/>
+        <a:ext cx="2404586" cy="1955852"/>
+      </dsp:txXfrm>
+    </dsp:sp>
+    <dsp:sp modelId="{12DAFADF-2D0C-4574-92C4-334CBFDD07B5}">
+      <dsp:nvSpPr>
+        <dsp:cNvPr id="0" name=""/>
+        <dsp:cNvSpPr/>
+      </dsp:nvSpPr>
+      <dsp:spPr>
+        <a:xfrm>
+          <a:off x="5503068" y="1625600"/>
+          <a:ext cx="2616200" cy="2167466"/>
+        </a:xfrm>
+        <a:prstGeom prst="roundRect">
+          <a:avLst/>
+        </a:prstGeom>
+        <a:solidFill>
+          <a:schemeClr val="accent1">
+            <a:hueOff val="0"/>
+            <a:satOff val="0"/>
+            <a:lumOff val="0"/>
+            <a:alphaOff val="0"/>
+          </a:schemeClr>
+        </a:solidFill>
+        <a:ln w="19050" cap="rnd" cmpd="sng" algn="ctr">
+          <a:solidFill>
+            <a:schemeClr val="lt1">
+              <a:hueOff val="0"/>
+              <a:satOff val="0"/>
+              <a:lumOff val="0"/>
+              <a:alphaOff val="0"/>
+            </a:schemeClr>
+          </a:solidFill>
+          <a:prstDash val="solid"/>
+        </a:ln>
+        <a:effectLst/>
+      </dsp:spPr>
+      <dsp:style>
+        <a:lnRef idx="2">
+          <a:scrgbClr r="0" g="0" b="0"/>
+        </a:lnRef>
+        <a:fillRef idx="1">
+          <a:scrgbClr r="0" g="0" b="0"/>
+        </a:fillRef>
+        <a:effectRef idx="0">
+          <a:scrgbClr r="0" g="0" b="0"/>
+        </a:effectRef>
+        <a:fontRef idx="minor">
+          <a:schemeClr val="lt1"/>
+        </a:fontRef>
+      </dsp:style>
+      <dsp:txBody>
+        <a:bodyPr spcFirstLastPara="0" vert="horz" wrap="square" lIns="118110" tIns="118110" rIns="118110" bIns="118110" numCol="1" spcCol="1270" anchor="ctr" anchorCtr="0">
+          <a:noAutofit/>
+        </a:bodyPr>
+        <a:lstStyle/>
+        <a:p>
+          <a:pPr marL="0" lvl="0" indent="0" algn="ctr" defTabSz="1377950">
+            <a:lnSpc>
+              <a:spcPct val="90000"/>
+            </a:lnSpc>
+            <a:spcBef>
+              <a:spcPct val="0"/>
+            </a:spcBef>
+            <a:spcAft>
+              <a:spcPct val="35000"/>
+            </a:spcAft>
+            <a:buNone/>
+          </a:pPr>
+          <a:r>
+            <a:rPr lang="en-US" sz="3100" kern="1200" dirty="0"/>
+            <a:t>Subscriber map data to a different </a:t>
+          </a:r>
+          <a:r>
+            <a:rPr lang="en-US" sz="3100" kern="1200" dirty="0" err="1"/>
+            <a:t>json</a:t>
+          </a:r>
+          <a:r>
+            <a:rPr lang="en-US" sz="3100" kern="1200" dirty="0"/>
+            <a:t> object</a:t>
+          </a:r>
+        </a:p>
+      </dsp:txBody>
+      <dsp:txXfrm>
+        <a:off x="5608875" y="1731407"/>
+        <a:ext cx="2404586" cy="1955852"/>
+      </dsp:txXfrm>
+    </dsp:sp>
+  </dsp:spTree>
+</dsp:drawing>
+</file>
+
 <file path=ppt/diagrams/layout1.xml><?xml version="1.0" encoding="utf-8"?>
 <dgm:layoutDef xmlns:dgm="http://schemas.openxmlformats.org/drawingml/2006/diagram" xmlns:a="http://schemas.openxmlformats.org/drawingml/2006/main" uniqueId="urn:microsoft.com/office/officeart/2005/8/layout/hierarchy4">
   <dgm:title val=""/>
@@ -5145,6 +6370,160 @@
 </dgm:layoutDef>
 </file>
 
+<file path=ppt/diagrams/layout3.xml><?xml version="1.0" encoding="utf-8"?>
+<dgm:layoutDef xmlns:dgm="http://schemas.openxmlformats.org/drawingml/2006/diagram" xmlns:a="http://schemas.openxmlformats.org/drawingml/2006/main" uniqueId="urn:microsoft.com/office/officeart/2005/8/layout/hProcess9">
+  <dgm:title val=""/>
+  <dgm:desc val=""/>
+  <dgm:catLst>
+    <dgm:cat type="process" pri="5000"/>
+    <dgm:cat type="convert" pri="13000"/>
+  </dgm:catLst>
+  <dgm:sampData useDef="1">
+    <dgm:dataModel>
+      <dgm:ptLst/>
+      <dgm:bg/>
+      <dgm:whole/>
+    </dgm:dataModel>
+  </dgm:sampData>
+  <dgm:styleData>
+    <dgm:dataModel>
+      <dgm:ptLst>
+        <dgm:pt modelId="0" type="doc"/>
+        <dgm:pt modelId="1"/>
+        <dgm:pt modelId="2"/>
+      </dgm:ptLst>
+      <dgm:cxnLst>
+        <dgm:cxn modelId="3" srcId="0" destId="1" srcOrd="0" destOrd="0"/>
+        <dgm:cxn modelId="4" srcId="0" destId="2" srcOrd="1" destOrd="0"/>
+      </dgm:cxnLst>
+      <dgm:bg/>
+      <dgm:whole/>
+    </dgm:dataModel>
+  </dgm:styleData>
+  <dgm:clrData>
+    <dgm:dataModel>
+      <dgm:ptLst>
+        <dgm:pt modelId="0" type="doc"/>
+        <dgm:pt modelId="1"/>
+        <dgm:pt modelId="2"/>
+        <dgm:pt modelId="3"/>
+        <dgm:pt modelId="4"/>
+      </dgm:ptLst>
+      <dgm:cxnLst>
+        <dgm:cxn modelId="5" srcId="0" destId="1" srcOrd="0" destOrd="0"/>
+        <dgm:cxn modelId="6" srcId="0" destId="2" srcOrd="1" destOrd="0"/>
+        <dgm:cxn modelId="7" srcId="0" destId="3" srcOrd="2" destOrd="0"/>
+        <dgm:cxn modelId="8" srcId="0" destId="4" srcOrd="3" destOrd="0"/>
+      </dgm:cxnLst>
+      <dgm:bg/>
+      <dgm:whole/>
+    </dgm:dataModel>
+  </dgm:clrData>
+  <dgm:layoutNode name="CompostProcess">
+    <dgm:varLst>
+      <dgm:dir/>
+      <dgm:resizeHandles val="exact"/>
+    </dgm:varLst>
+    <dgm:alg type="composite">
+      <dgm:param type="horzAlign" val="ctr"/>
+      <dgm:param type="vertAlign" val="mid"/>
+    </dgm:alg>
+    <dgm:shape xmlns:r="http://schemas.openxmlformats.org/officeDocument/2006/relationships" r:blip="">
+      <dgm:adjLst/>
+    </dgm:shape>
+    <dgm:presOf/>
+    <dgm:constrLst>
+      <dgm:constr type="w" for="ch" forName="arrow" refType="w" fact="0.85"/>
+      <dgm:constr type="h" for="ch" forName="arrow" refType="h"/>
+      <dgm:constr type="ctrX" for="ch" forName="arrow" refType="w" fact="0.5"/>
+      <dgm:constr type="ctrY" for="ch" forName="arrow" refType="h" fact="0.5"/>
+      <dgm:constr type="w" for="ch" forName="linearProcess" refType="w"/>
+      <dgm:constr type="h" for="ch" forName="linearProcess" refType="h" fact="0.4"/>
+      <dgm:constr type="ctrX" for="ch" forName="linearProcess" refType="w" fact="0.5"/>
+      <dgm:constr type="ctrY" for="ch" forName="linearProcess" refType="h" fact="0.5"/>
+    </dgm:constrLst>
+    <dgm:ruleLst/>
+    <dgm:layoutNode name="arrow" styleLbl="bgShp">
+      <dgm:alg type="sp"/>
+      <dgm:choose name="Name0">
+        <dgm:if name="Name1" func="var" arg="dir" op="equ" val="norm">
+          <dgm:shape xmlns:r="http://schemas.openxmlformats.org/officeDocument/2006/relationships" type="rightArrow" r:blip="">
+            <dgm:adjLst/>
+          </dgm:shape>
+        </dgm:if>
+        <dgm:else name="Name2">
+          <dgm:shape xmlns:r="http://schemas.openxmlformats.org/officeDocument/2006/relationships" type="leftArrow" r:blip="">
+            <dgm:adjLst/>
+          </dgm:shape>
+        </dgm:else>
+      </dgm:choose>
+      <dgm:presOf/>
+      <dgm:constrLst/>
+      <dgm:ruleLst/>
+    </dgm:layoutNode>
+    <dgm:layoutNode name="linearProcess">
+      <dgm:choose name="Name3">
+        <dgm:if name="Name4" func="var" arg="dir" op="equ" val="norm">
+          <dgm:alg type="lin"/>
+        </dgm:if>
+        <dgm:else name="Name5">
+          <dgm:alg type="lin">
+            <dgm:param type="linDir" val="fromR"/>
+          </dgm:alg>
+        </dgm:else>
+      </dgm:choose>
+      <dgm:shape xmlns:r="http://schemas.openxmlformats.org/officeDocument/2006/relationships" r:blip="">
+        <dgm:adjLst/>
+      </dgm:shape>
+      <dgm:presOf/>
+      <dgm:constrLst>
+        <dgm:constr type="userA" for="ch" ptType="node" refType="w"/>
+        <dgm:constr type="h" for="ch" ptType="node" refType="h"/>
+        <dgm:constr type="w" for="ch" ptType="node" op="equ"/>
+        <dgm:constr type="w" for="ch" forName="sibTrans" refType="w" fact="0.05"/>
+        <dgm:constr type="primFontSz" for="ch" ptType="node" op="equ" val="65"/>
+      </dgm:constrLst>
+      <dgm:ruleLst/>
+      <dgm:forEach name="Name6" axis="ch" ptType="node">
+        <dgm:layoutNode name="textNode" styleLbl="node1">
+          <dgm:varLst>
+            <dgm:bulletEnabled val="1"/>
+          </dgm:varLst>
+          <dgm:alg type="tx"/>
+          <dgm:shape xmlns:r="http://schemas.openxmlformats.org/officeDocument/2006/relationships" type="roundRect" r:blip="">
+            <dgm:adjLst/>
+          </dgm:shape>
+          <dgm:presOf axis="desOrSelf" ptType="node"/>
+          <dgm:constrLst>
+            <dgm:constr type="userA"/>
+            <dgm:constr type="w" refType="userA" fact="0.3"/>
+            <dgm:constr type="tMarg" refType="primFontSz" fact="0.3"/>
+            <dgm:constr type="bMarg" refType="primFontSz" fact="0.3"/>
+            <dgm:constr type="lMarg" refType="primFontSz" fact="0.3"/>
+            <dgm:constr type="rMarg" refType="primFontSz" fact="0.3"/>
+          </dgm:constrLst>
+          <dgm:ruleLst>
+            <dgm:rule type="w" val="NaN" fact="1" max="NaN"/>
+            <dgm:rule type="primFontSz" val="5" fact="NaN" max="NaN"/>
+          </dgm:ruleLst>
+        </dgm:layoutNode>
+        <dgm:forEach name="Name7" axis="followSib" ptType="sibTrans" cnt="1">
+          <dgm:layoutNode name="sibTrans">
+            <dgm:alg type="sp"/>
+            <dgm:shape xmlns:r="http://schemas.openxmlformats.org/officeDocument/2006/relationships" r:blip="">
+              <dgm:adjLst/>
+            </dgm:shape>
+            <dgm:presOf/>
+            <dgm:constrLst/>
+            <dgm:ruleLst/>
+          </dgm:layoutNode>
+        </dgm:forEach>
+      </dgm:forEach>
+    </dgm:layoutNode>
+  </dgm:layoutNode>
+</dgm:layoutDef>
+</file>
+
 <file path=ppt/diagrams/quickStyle1.xml><?xml version="1.0" encoding="utf-8"?>
 <dgm:styleDef xmlns:dgm="http://schemas.openxmlformats.org/drawingml/2006/diagram" xmlns:a="http://schemas.openxmlformats.org/drawingml/2006/main" uniqueId="urn:microsoft.com/office/officeart/2005/8/quickstyle/simple1">
   <dgm:title val=""/>
@@ -6180,6 +7559,1040 @@
 </file>
 
 <file path=ppt/diagrams/quickStyle2.xml><?xml version="1.0" encoding="utf-8"?>
+<dgm:styleDef xmlns:dgm="http://schemas.openxmlformats.org/drawingml/2006/diagram" xmlns:a="http://schemas.openxmlformats.org/drawingml/2006/main" uniqueId="urn:microsoft.com/office/officeart/2005/8/quickstyle/simple1">
+  <dgm:title val=""/>
+  <dgm:desc val=""/>
+  <dgm:catLst>
+    <dgm:cat type="simple" pri="10100"/>
+  </dgm:catLst>
+  <dgm:scene3d>
+    <a:camera prst="orthographicFront"/>
+    <a:lightRig rig="threePt" dir="t"/>
+  </dgm:scene3d>
+  <dgm:styleLbl name="node0">
+    <dgm:scene3d>
+      <a:camera prst="orthographicFront"/>
+      <a:lightRig rig="threePt" dir="t"/>
+    </dgm:scene3d>
+    <dgm:sp3d/>
+    <dgm:txPr/>
+    <dgm:style>
+      <a:lnRef idx="2">
+        <a:scrgbClr r="0" g="0" b="0"/>
+      </a:lnRef>
+      <a:fillRef idx="1">
+        <a:scrgbClr r="0" g="0" b="0"/>
+      </a:fillRef>
+      <a:effectRef idx="0">
+        <a:scrgbClr r="0" g="0" b="0"/>
+      </a:effectRef>
+      <a:fontRef idx="minor">
+        <a:schemeClr val="lt1"/>
+      </a:fontRef>
+    </dgm:style>
+  </dgm:styleLbl>
+  <dgm:styleLbl name="lnNode1">
+    <dgm:scene3d>
+      <a:camera prst="orthographicFront"/>
+      <a:lightRig rig="threePt" dir="t"/>
+    </dgm:scene3d>
+    <dgm:sp3d/>
+    <dgm:txPr/>
+    <dgm:style>
+      <a:lnRef idx="2">
+        <a:scrgbClr r="0" g="0" b="0"/>
+      </a:lnRef>
+      <a:fillRef idx="1">
+        <a:scrgbClr r="0" g="0" b="0"/>
+      </a:fillRef>
+      <a:effectRef idx="0">
+        <a:scrgbClr r="0" g="0" b="0"/>
+      </a:effectRef>
+      <a:fontRef idx="minor">
+        <a:schemeClr val="lt1"/>
+      </a:fontRef>
+    </dgm:style>
+  </dgm:styleLbl>
+  <dgm:styleLbl name="vennNode1">
+    <dgm:scene3d>
+      <a:camera prst="orthographicFront"/>
+      <a:lightRig rig="threePt" dir="t"/>
+    </dgm:scene3d>
+    <dgm:sp3d/>
+    <dgm:txPr/>
+    <dgm:style>
+      <a:lnRef idx="2">
+        <a:scrgbClr r="0" g="0" b="0"/>
+      </a:lnRef>
+      <a:fillRef idx="1">
+        <a:scrgbClr r="0" g="0" b="0"/>
+      </a:fillRef>
+      <a:effectRef idx="0">
+        <a:scrgbClr r="0" g="0" b="0"/>
+      </a:effectRef>
+      <a:fontRef idx="minor">
+        <a:schemeClr val="tx1"/>
+      </a:fontRef>
+    </dgm:style>
+  </dgm:styleLbl>
+  <dgm:styleLbl name="alignNode1">
+    <dgm:scene3d>
+      <a:camera prst="orthographicFront"/>
+      <a:lightRig rig="threePt" dir="t"/>
+    </dgm:scene3d>
+    <dgm:sp3d/>
+    <dgm:txPr/>
+    <dgm:style>
+      <a:lnRef idx="2">
+        <a:scrgbClr r="0" g="0" b="0"/>
+      </a:lnRef>
+      <a:fillRef idx="1">
+        <a:scrgbClr r="0" g="0" b="0"/>
+      </a:fillRef>
+      <a:effectRef idx="0">
+        <a:scrgbClr r="0" g="0" b="0"/>
+      </a:effectRef>
+      <a:fontRef idx="minor">
+        <a:schemeClr val="lt1"/>
+      </a:fontRef>
+    </dgm:style>
+  </dgm:styleLbl>
+  <dgm:styleLbl name="node1">
+    <dgm:scene3d>
+      <a:camera prst="orthographicFront"/>
+      <a:lightRig rig="threePt" dir="t"/>
+    </dgm:scene3d>
+    <dgm:sp3d/>
+    <dgm:txPr/>
+    <dgm:style>
+      <a:lnRef idx="2">
+        <a:scrgbClr r="0" g="0" b="0"/>
+      </a:lnRef>
+      <a:fillRef idx="1">
+        <a:scrgbClr r="0" g="0" b="0"/>
+      </a:fillRef>
+      <a:effectRef idx="0">
+        <a:scrgbClr r="0" g="0" b="0"/>
+      </a:effectRef>
+      <a:fontRef idx="minor">
+        <a:schemeClr val="lt1"/>
+      </a:fontRef>
+    </dgm:style>
+  </dgm:styleLbl>
+  <dgm:styleLbl name="node2">
+    <dgm:scene3d>
+      <a:camera prst="orthographicFront"/>
+      <a:lightRig rig="threePt" dir="t"/>
+    </dgm:scene3d>
+    <dgm:sp3d/>
+    <dgm:txPr/>
+    <dgm:style>
+      <a:lnRef idx="2">
+        <a:scrgbClr r="0" g="0" b="0"/>
+      </a:lnRef>
+      <a:fillRef idx="1">
+        <a:scrgbClr r="0" g="0" b="0"/>
+      </a:fillRef>
+      <a:effectRef idx="0">
+        <a:scrgbClr r="0" g="0" b="0"/>
+      </a:effectRef>
+      <a:fontRef idx="minor">
+        <a:schemeClr val="lt1"/>
+      </a:fontRef>
+    </dgm:style>
+  </dgm:styleLbl>
+  <dgm:styleLbl name="node3">
+    <dgm:scene3d>
+      <a:camera prst="orthographicFront"/>
+      <a:lightRig rig="threePt" dir="t"/>
+    </dgm:scene3d>
+    <dgm:sp3d/>
+    <dgm:txPr/>
+    <dgm:style>
+      <a:lnRef idx="2">
+        <a:scrgbClr r="0" g="0" b="0"/>
+      </a:lnRef>
+      <a:fillRef idx="1">
+        <a:scrgbClr r="0" g="0" b="0"/>
+      </a:fillRef>
+      <a:effectRef idx="0">
+        <a:scrgbClr r="0" g="0" b="0"/>
+      </a:effectRef>
+      <a:fontRef idx="minor">
+        <a:schemeClr val="lt1"/>
+      </a:fontRef>
+    </dgm:style>
+  </dgm:styleLbl>
+  <dgm:styleLbl name="node4">
+    <dgm:scene3d>
+      <a:camera prst="orthographicFront"/>
+      <a:lightRig rig="threePt" dir="t"/>
+    </dgm:scene3d>
+    <dgm:sp3d/>
+    <dgm:txPr/>
+    <dgm:style>
+      <a:lnRef idx="2">
+        <a:scrgbClr r="0" g="0" b="0"/>
+      </a:lnRef>
+      <a:fillRef idx="1">
+        <a:scrgbClr r="0" g="0" b="0"/>
+      </a:fillRef>
+      <a:effectRef idx="0">
+        <a:scrgbClr r="0" g="0" b="0"/>
+      </a:effectRef>
+      <a:fontRef idx="minor">
+        <a:schemeClr val="lt1"/>
+      </a:fontRef>
+    </dgm:style>
+  </dgm:styleLbl>
+  <dgm:styleLbl name="fgImgPlace1">
+    <dgm:scene3d>
+      <a:camera prst="orthographicFront"/>
+      <a:lightRig rig="threePt" dir="t"/>
+    </dgm:scene3d>
+    <dgm:sp3d/>
+    <dgm:txPr/>
+    <dgm:style>
+      <a:lnRef idx="2">
+        <a:scrgbClr r="0" g="0" b="0"/>
+      </a:lnRef>
+      <a:fillRef idx="1">
+        <a:scrgbClr r="0" g="0" b="0"/>
+      </a:fillRef>
+      <a:effectRef idx="0">
+        <a:scrgbClr r="0" g="0" b="0"/>
+      </a:effectRef>
+      <a:fontRef idx="minor"/>
+    </dgm:style>
+  </dgm:styleLbl>
+  <dgm:styleLbl name="alignImgPlace1">
+    <dgm:scene3d>
+      <a:camera prst="orthographicFront"/>
+      <a:lightRig rig="threePt" dir="t"/>
+    </dgm:scene3d>
+    <dgm:sp3d/>
+    <dgm:txPr/>
+    <dgm:style>
+      <a:lnRef idx="2">
+        <a:scrgbClr r="0" g="0" b="0"/>
+      </a:lnRef>
+      <a:fillRef idx="1">
+        <a:scrgbClr r="0" g="0" b="0"/>
+      </a:fillRef>
+      <a:effectRef idx="0">
+        <a:scrgbClr r="0" g="0" b="0"/>
+      </a:effectRef>
+      <a:fontRef idx="minor"/>
+    </dgm:style>
+  </dgm:styleLbl>
+  <dgm:styleLbl name="bgImgPlace1">
+    <dgm:scene3d>
+      <a:camera prst="orthographicFront"/>
+      <a:lightRig rig="threePt" dir="t"/>
+    </dgm:scene3d>
+    <dgm:sp3d/>
+    <dgm:txPr/>
+    <dgm:style>
+      <a:lnRef idx="2">
+        <a:scrgbClr r="0" g="0" b="0"/>
+      </a:lnRef>
+      <a:fillRef idx="1">
+        <a:scrgbClr r="0" g="0" b="0"/>
+      </a:fillRef>
+      <a:effectRef idx="0">
+        <a:scrgbClr r="0" g="0" b="0"/>
+      </a:effectRef>
+      <a:fontRef idx="minor"/>
+    </dgm:style>
+  </dgm:styleLbl>
+  <dgm:styleLbl name="sibTrans2D1">
+    <dgm:scene3d>
+      <a:camera prst="orthographicFront"/>
+      <a:lightRig rig="threePt" dir="t"/>
+    </dgm:scene3d>
+    <dgm:sp3d/>
+    <dgm:txPr/>
+    <dgm:style>
+      <a:lnRef idx="0">
+        <a:scrgbClr r="0" g="0" b="0"/>
+      </a:lnRef>
+      <a:fillRef idx="1">
+        <a:scrgbClr r="0" g="0" b="0"/>
+      </a:fillRef>
+      <a:effectRef idx="0">
+        <a:scrgbClr r="0" g="0" b="0"/>
+      </a:effectRef>
+      <a:fontRef idx="minor">
+        <a:schemeClr val="lt1"/>
+      </a:fontRef>
+    </dgm:style>
+  </dgm:styleLbl>
+  <dgm:styleLbl name="fgSibTrans2D1">
+    <dgm:scene3d>
+      <a:camera prst="orthographicFront"/>
+      <a:lightRig rig="threePt" dir="t"/>
+    </dgm:scene3d>
+    <dgm:sp3d/>
+    <dgm:txPr/>
+    <dgm:style>
+      <a:lnRef idx="0">
+        <a:scrgbClr r="0" g="0" b="0"/>
+      </a:lnRef>
+      <a:fillRef idx="1">
+        <a:scrgbClr r="0" g="0" b="0"/>
+      </a:fillRef>
+      <a:effectRef idx="0">
+        <a:scrgbClr r="0" g="0" b="0"/>
+      </a:effectRef>
+      <a:fontRef idx="minor">
+        <a:schemeClr val="lt1"/>
+      </a:fontRef>
+    </dgm:style>
+  </dgm:styleLbl>
+  <dgm:styleLbl name="bgSibTrans2D1">
+    <dgm:scene3d>
+      <a:camera prst="orthographicFront"/>
+      <a:lightRig rig="threePt" dir="t"/>
+    </dgm:scene3d>
+    <dgm:sp3d/>
+    <dgm:txPr/>
+    <dgm:style>
+      <a:lnRef idx="0">
+        <a:scrgbClr r="0" g="0" b="0"/>
+      </a:lnRef>
+      <a:fillRef idx="1">
+        <a:scrgbClr r="0" g="0" b="0"/>
+      </a:fillRef>
+      <a:effectRef idx="0">
+        <a:scrgbClr r="0" g="0" b="0"/>
+      </a:effectRef>
+      <a:fontRef idx="minor">
+        <a:schemeClr val="lt1"/>
+      </a:fontRef>
+    </dgm:style>
+  </dgm:styleLbl>
+  <dgm:styleLbl name="sibTrans1D1">
+    <dgm:scene3d>
+      <a:camera prst="orthographicFront"/>
+      <a:lightRig rig="threePt" dir="t"/>
+    </dgm:scene3d>
+    <dgm:sp3d/>
+    <dgm:txPr/>
+    <dgm:style>
+      <a:lnRef idx="1">
+        <a:scrgbClr r="0" g="0" b="0"/>
+      </a:lnRef>
+      <a:fillRef idx="0">
+        <a:scrgbClr r="0" g="0" b="0"/>
+      </a:fillRef>
+      <a:effectRef idx="0">
+        <a:scrgbClr r="0" g="0" b="0"/>
+      </a:effectRef>
+      <a:fontRef idx="minor"/>
+    </dgm:style>
+  </dgm:styleLbl>
+  <dgm:styleLbl name="callout">
+    <dgm:scene3d>
+      <a:camera prst="orthographicFront"/>
+      <a:lightRig rig="threePt" dir="t"/>
+    </dgm:scene3d>
+    <dgm:sp3d/>
+    <dgm:txPr/>
+    <dgm:style>
+      <a:lnRef idx="2">
+        <a:scrgbClr r="0" g="0" b="0"/>
+      </a:lnRef>
+      <a:fillRef idx="1">
+        <a:scrgbClr r="0" g="0" b="0"/>
+      </a:fillRef>
+      <a:effectRef idx="0">
+        <a:scrgbClr r="0" g="0" b="0"/>
+      </a:effectRef>
+      <a:fontRef idx="minor"/>
+    </dgm:style>
+  </dgm:styleLbl>
+  <dgm:styleLbl name="asst0">
+    <dgm:scene3d>
+      <a:camera prst="orthographicFront"/>
+      <a:lightRig rig="threePt" dir="t"/>
+    </dgm:scene3d>
+    <dgm:sp3d/>
+    <dgm:txPr/>
+    <dgm:style>
+      <a:lnRef idx="2">
+        <a:scrgbClr r="0" g="0" b="0"/>
+      </a:lnRef>
+      <a:fillRef idx="1">
+        <a:scrgbClr r="0" g="0" b="0"/>
+      </a:fillRef>
+      <a:effectRef idx="0">
+        <a:scrgbClr r="0" g="0" b="0"/>
+      </a:effectRef>
+      <a:fontRef idx="minor">
+        <a:schemeClr val="lt1"/>
+      </a:fontRef>
+    </dgm:style>
+  </dgm:styleLbl>
+  <dgm:styleLbl name="asst1">
+    <dgm:scene3d>
+      <a:camera prst="orthographicFront"/>
+      <a:lightRig rig="threePt" dir="t"/>
+    </dgm:scene3d>
+    <dgm:sp3d/>
+    <dgm:txPr/>
+    <dgm:style>
+      <a:lnRef idx="2">
+        <a:scrgbClr r="0" g="0" b="0"/>
+      </a:lnRef>
+      <a:fillRef idx="1">
+        <a:scrgbClr r="0" g="0" b="0"/>
+      </a:fillRef>
+      <a:effectRef idx="0">
+        <a:scrgbClr r="0" g="0" b="0"/>
+      </a:effectRef>
+      <a:fontRef idx="minor">
+        <a:schemeClr val="lt1"/>
+      </a:fontRef>
+    </dgm:style>
+  </dgm:styleLbl>
+  <dgm:styleLbl name="asst2">
+    <dgm:scene3d>
+      <a:camera prst="orthographicFront"/>
+      <a:lightRig rig="threePt" dir="t"/>
+    </dgm:scene3d>
+    <dgm:sp3d/>
+    <dgm:txPr/>
+    <dgm:style>
+      <a:lnRef idx="2">
+        <a:scrgbClr r="0" g="0" b="0"/>
+      </a:lnRef>
+      <a:fillRef idx="1">
+        <a:scrgbClr r="0" g="0" b="0"/>
+      </a:fillRef>
+      <a:effectRef idx="0">
+        <a:scrgbClr r="0" g="0" b="0"/>
+      </a:effectRef>
+      <a:fontRef idx="minor">
+        <a:schemeClr val="lt1"/>
+      </a:fontRef>
+    </dgm:style>
+  </dgm:styleLbl>
+  <dgm:styleLbl name="asst3">
+    <dgm:scene3d>
+      <a:camera prst="orthographicFront"/>
+      <a:lightRig rig="threePt" dir="t"/>
+    </dgm:scene3d>
+    <dgm:sp3d/>
+    <dgm:txPr/>
+    <dgm:style>
+      <a:lnRef idx="2">
+        <a:scrgbClr r="0" g="0" b="0"/>
+      </a:lnRef>
+      <a:fillRef idx="1">
+        <a:scrgbClr r="0" g="0" b="0"/>
+      </a:fillRef>
+      <a:effectRef idx="0">
+        <a:scrgbClr r="0" g="0" b="0"/>
+      </a:effectRef>
+      <a:fontRef idx="minor">
+        <a:schemeClr val="lt1"/>
+      </a:fontRef>
+    </dgm:style>
+  </dgm:styleLbl>
+  <dgm:styleLbl name="asst4">
+    <dgm:scene3d>
+      <a:camera prst="orthographicFront"/>
+      <a:lightRig rig="threePt" dir="t"/>
+    </dgm:scene3d>
+    <dgm:sp3d/>
+    <dgm:txPr/>
+    <dgm:style>
+      <a:lnRef idx="2">
+        <a:scrgbClr r="0" g="0" b="0"/>
+      </a:lnRef>
+      <a:fillRef idx="1">
+        <a:scrgbClr r="0" g="0" b="0"/>
+      </a:fillRef>
+      <a:effectRef idx="0">
+        <a:scrgbClr r="0" g="0" b="0"/>
+      </a:effectRef>
+      <a:fontRef idx="minor">
+        <a:schemeClr val="lt1"/>
+      </a:fontRef>
+    </dgm:style>
+  </dgm:styleLbl>
+  <dgm:styleLbl name="parChTrans2D1">
+    <dgm:scene3d>
+      <a:camera prst="orthographicFront"/>
+      <a:lightRig rig="threePt" dir="t"/>
+    </dgm:scene3d>
+    <dgm:sp3d/>
+    <dgm:txPr/>
+    <dgm:style>
+      <a:lnRef idx="2">
+        <a:scrgbClr r="0" g="0" b="0"/>
+      </a:lnRef>
+      <a:fillRef idx="1">
+        <a:scrgbClr r="0" g="0" b="0"/>
+      </a:fillRef>
+      <a:effectRef idx="0">
+        <a:scrgbClr r="0" g="0" b="0"/>
+      </a:effectRef>
+      <a:fontRef idx="minor">
+        <a:schemeClr val="lt1"/>
+      </a:fontRef>
+    </dgm:style>
+  </dgm:styleLbl>
+  <dgm:styleLbl name="parChTrans2D2">
+    <dgm:scene3d>
+      <a:camera prst="orthographicFront"/>
+      <a:lightRig rig="threePt" dir="t"/>
+    </dgm:scene3d>
+    <dgm:sp3d/>
+    <dgm:txPr/>
+    <dgm:style>
+      <a:lnRef idx="2">
+        <a:scrgbClr r="0" g="0" b="0"/>
+      </a:lnRef>
+      <a:fillRef idx="1">
+        <a:scrgbClr r="0" g="0" b="0"/>
+      </a:fillRef>
+      <a:effectRef idx="0">
+        <a:scrgbClr r="0" g="0" b="0"/>
+      </a:effectRef>
+      <a:fontRef idx="minor">
+        <a:schemeClr val="lt1"/>
+      </a:fontRef>
+    </dgm:style>
+  </dgm:styleLbl>
+  <dgm:styleLbl name="parChTrans2D3">
+    <dgm:scene3d>
+      <a:camera prst="orthographicFront"/>
+      <a:lightRig rig="threePt" dir="t"/>
+    </dgm:scene3d>
+    <dgm:sp3d/>
+    <dgm:txPr/>
+    <dgm:style>
+      <a:lnRef idx="2">
+        <a:scrgbClr r="0" g="0" b="0"/>
+      </a:lnRef>
+      <a:fillRef idx="1">
+        <a:scrgbClr r="0" g="0" b="0"/>
+      </a:fillRef>
+      <a:effectRef idx="0">
+        <a:scrgbClr r="0" g="0" b="0"/>
+      </a:effectRef>
+      <a:fontRef idx="minor">
+        <a:schemeClr val="lt1"/>
+      </a:fontRef>
+    </dgm:style>
+  </dgm:styleLbl>
+  <dgm:styleLbl name="parChTrans2D4">
+    <dgm:scene3d>
+      <a:camera prst="orthographicFront"/>
+      <a:lightRig rig="threePt" dir="t"/>
+    </dgm:scene3d>
+    <dgm:sp3d/>
+    <dgm:txPr/>
+    <dgm:style>
+      <a:lnRef idx="2">
+        <a:scrgbClr r="0" g="0" b="0"/>
+      </a:lnRef>
+      <a:fillRef idx="1">
+        <a:scrgbClr r="0" g="0" b="0"/>
+      </a:fillRef>
+      <a:effectRef idx="0">
+        <a:scrgbClr r="0" g="0" b="0"/>
+      </a:effectRef>
+      <a:fontRef idx="minor">
+        <a:schemeClr val="lt1"/>
+      </a:fontRef>
+    </dgm:style>
+  </dgm:styleLbl>
+  <dgm:styleLbl name="parChTrans1D1">
+    <dgm:scene3d>
+      <a:camera prst="orthographicFront"/>
+      <a:lightRig rig="threePt" dir="t"/>
+    </dgm:scene3d>
+    <dgm:sp3d/>
+    <dgm:txPr/>
+    <dgm:style>
+      <a:lnRef idx="2">
+        <a:scrgbClr r="0" g="0" b="0"/>
+      </a:lnRef>
+      <a:fillRef idx="0">
+        <a:scrgbClr r="0" g="0" b="0"/>
+      </a:fillRef>
+      <a:effectRef idx="0">
+        <a:scrgbClr r="0" g="0" b="0"/>
+      </a:effectRef>
+      <a:fontRef idx="minor"/>
+    </dgm:style>
+  </dgm:styleLbl>
+  <dgm:styleLbl name="parChTrans1D2">
+    <dgm:scene3d>
+      <a:camera prst="orthographicFront"/>
+      <a:lightRig rig="threePt" dir="t"/>
+    </dgm:scene3d>
+    <dgm:sp3d/>
+    <dgm:txPr/>
+    <dgm:style>
+      <a:lnRef idx="2">
+        <a:scrgbClr r="0" g="0" b="0"/>
+      </a:lnRef>
+      <a:fillRef idx="0">
+        <a:scrgbClr r="0" g="0" b="0"/>
+      </a:fillRef>
+      <a:effectRef idx="0">
+        <a:scrgbClr r="0" g="0" b="0"/>
+      </a:effectRef>
+      <a:fontRef idx="minor"/>
+    </dgm:style>
+  </dgm:styleLbl>
+  <dgm:styleLbl name="parChTrans1D3">
+    <dgm:scene3d>
+      <a:camera prst="orthographicFront"/>
+      <a:lightRig rig="threePt" dir="t"/>
+    </dgm:scene3d>
+    <dgm:sp3d/>
+    <dgm:txPr/>
+    <dgm:style>
+      <a:lnRef idx="2">
+        <a:scrgbClr r="0" g="0" b="0"/>
+      </a:lnRef>
+      <a:fillRef idx="0">
+        <a:scrgbClr r="0" g="0" b="0"/>
+      </a:fillRef>
+      <a:effectRef idx="0">
+        <a:scrgbClr r="0" g="0" b="0"/>
+      </a:effectRef>
+      <a:fontRef idx="minor"/>
+    </dgm:style>
+  </dgm:styleLbl>
+  <dgm:styleLbl name="parChTrans1D4">
+    <dgm:scene3d>
+      <a:camera prst="orthographicFront"/>
+      <a:lightRig rig="threePt" dir="t"/>
+    </dgm:scene3d>
+    <dgm:sp3d/>
+    <dgm:txPr/>
+    <dgm:style>
+      <a:lnRef idx="2">
+        <a:scrgbClr r="0" g="0" b="0"/>
+      </a:lnRef>
+      <a:fillRef idx="0">
+        <a:scrgbClr r="0" g="0" b="0"/>
+      </a:fillRef>
+      <a:effectRef idx="0">
+        <a:scrgbClr r="0" g="0" b="0"/>
+      </a:effectRef>
+      <a:fontRef idx="minor"/>
+    </dgm:style>
+  </dgm:styleLbl>
+  <dgm:styleLbl name="fgAcc1">
+    <dgm:scene3d>
+      <a:camera prst="orthographicFront"/>
+      <a:lightRig rig="threePt" dir="t"/>
+    </dgm:scene3d>
+    <dgm:sp3d/>
+    <dgm:txPr/>
+    <dgm:style>
+      <a:lnRef idx="2">
+        <a:scrgbClr r="0" g="0" b="0"/>
+      </a:lnRef>
+      <a:fillRef idx="1">
+        <a:scrgbClr r="0" g="0" b="0"/>
+      </a:fillRef>
+      <a:effectRef idx="0">
+        <a:scrgbClr r="0" g="0" b="0"/>
+      </a:effectRef>
+      <a:fontRef idx="minor"/>
+    </dgm:style>
+  </dgm:styleLbl>
+  <dgm:styleLbl name="conFgAcc1">
+    <dgm:scene3d>
+      <a:camera prst="orthographicFront"/>
+      <a:lightRig rig="threePt" dir="t"/>
+    </dgm:scene3d>
+    <dgm:sp3d/>
+    <dgm:txPr/>
+    <dgm:style>
+      <a:lnRef idx="2">
+        <a:scrgbClr r="0" g="0" b="0"/>
+      </a:lnRef>
+      <a:fillRef idx="1">
+        <a:scrgbClr r="0" g="0" b="0"/>
+      </a:fillRef>
+      <a:effectRef idx="0">
+        <a:scrgbClr r="0" g="0" b="0"/>
+      </a:effectRef>
+      <a:fontRef idx="minor"/>
+    </dgm:style>
+  </dgm:styleLbl>
+  <dgm:styleLbl name="alignAcc1">
+    <dgm:scene3d>
+      <a:camera prst="orthographicFront"/>
+      <a:lightRig rig="threePt" dir="t"/>
+    </dgm:scene3d>
+    <dgm:sp3d/>
+    <dgm:txPr/>
+    <dgm:style>
+      <a:lnRef idx="2">
+        <a:scrgbClr r="0" g="0" b="0"/>
+      </a:lnRef>
+      <a:fillRef idx="1">
+        <a:scrgbClr r="0" g="0" b="0"/>
+      </a:fillRef>
+      <a:effectRef idx="0">
+        <a:scrgbClr r="0" g="0" b="0"/>
+      </a:effectRef>
+      <a:fontRef idx="minor"/>
+    </dgm:style>
+  </dgm:styleLbl>
+  <dgm:styleLbl name="trAlignAcc1">
+    <dgm:scene3d>
+      <a:camera prst="orthographicFront"/>
+      <a:lightRig rig="threePt" dir="t"/>
+    </dgm:scene3d>
+    <dgm:sp3d/>
+    <dgm:txPr/>
+    <dgm:style>
+      <a:lnRef idx="1">
+        <a:scrgbClr r="0" g="0" b="0"/>
+      </a:lnRef>
+      <a:fillRef idx="1">
+        <a:scrgbClr r="0" g="0" b="0"/>
+      </a:fillRef>
+      <a:effectRef idx="0">
+        <a:scrgbClr r="0" g="0" b="0"/>
+      </a:effectRef>
+      <a:fontRef idx="minor"/>
+    </dgm:style>
+  </dgm:styleLbl>
+  <dgm:styleLbl name="bgAcc1">
+    <dgm:scene3d>
+      <a:camera prst="orthographicFront"/>
+      <a:lightRig rig="threePt" dir="t"/>
+    </dgm:scene3d>
+    <dgm:sp3d/>
+    <dgm:txPr/>
+    <dgm:style>
+      <a:lnRef idx="2">
+        <a:scrgbClr r="0" g="0" b="0"/>
+      </a:lnRef>
+      <a:fillRef idx="1">
+        <a:scrgbClr r="0" g="0" b="0"/>
+      </a:fillRef>
+      <a:effectRef idx="0">
+        <a:scrgbClr r="0" g="0" b="0"/>
+      </a:effectRef>
+      <a:fontRef idx="minor"/>
+    </dgm:style>
+  </dgm:styleLbl>
+  <dgm:styleLbl name="solidFgAcc1">
+    <dgm:scene3d>
+      <a:camera prst="orthographicFront"/>
+      <a:lightRig rig="threePt" dir="t"/>
+    </dgm:scene3d>
+    <dgm:sp3d/>
+    <dgm:txPr/>
+    <dgm:style>
+      <a:lnRef idx="2">
+        <a:scrgbClr r="0" g="0" b="0"/>
+      </a:lnRef>
+      <a:fillRef idx="1">
+        <a:scrgbClr r="0" g="0" b="0"/>
+      </a:fillRef>
+      <a:effectRef idx="0">
+        <a:scrgbClr r="0" g="0" b="0"/>
+      </a:effectRef>
+      <a:fontRef idx="minor"/>
+    </dgm:style>
+  </dgm:styleLbl>
+  <dgm:styleLbl name="solidAlignAcc1">
+    <dgm:scene3d>
+      <a:camera prst="orthographicFront"/>
+      <a:lightRig rig="threePt" dir="t"/>
+    </dgm:scene3d>
+    <dgm:sp3d/>
+    <dgm:txPr/>
+    <dgm:style>
+      <a:lnRef idx="2">
+        <a:scrgbClr r="0" g="0" b="0"/>
+      </a:lnRef>
+      <a:fillRef idx="1">
+        <a:scrgbClr r="0" g="0" b="0"/>
+      </a:fillRef>
+      <a:effectRef idx="0">
+        <a:scrgbClr r="0" g="0" b="0"/>
+      </a:effectRef>
+      <a:fontRef idx="minor"/>
+    </dgm:style>
+  </dgm:styleLbl>
+  <dgm:styleLbl name="solidBgAcc1">
+    <dgm:scene3d>
+      <a:camera prst="orthographicFront"/>
+      <a:lightRig rig="threePt" dir="t"/>
+    </dgm:scene3d>
+    <dgm:sp3d/>
+    <dgm:txPr/>
+    <dgm:style>
+      <a:lnRef idx="2">
+        <a:scrgbClr r="0" g="0" b="0"/>
+      </a:lnRef>
+      <a:fillRef idx="1">
+        <a:scrgbClr r="0" g="0" b="0"/>
+      </a:fillRef>
+      <a:effectRef idx="0">
+        <a:scrgbClr r="0" g="0" b="0"/>
+      </a:effectRef>
+      <a:fontRef idx="minor"/>
+    </dgm:style>
+  </dgm:styleLbl>
+  <dgm:styleLbl name="fgAccFollowNode1">
+    <dgm:scene3d>
+      <a:camera prst="orthographicFront"/>
+      <a:lightRig rig="threePt" dir="t"/>
+    </dgm:scene3d>
+    <dgm:sp3d/>
+    <dgm:txPr/>
+    <dgm:style>
+      <a:lnRef idx="2">
+        <a:scrgbClr r="0" g="0" b="0"/>
+      </a:lnRef>
+      <a:fillRef idx="1">
+        <a:scrgbClr r="0" g="0" b="0"/>
+      </a:fillRef>
+      <a:effectRef idx="0">
+        <a:scrgbClr r="0" g="0" b="0"/>
+      </a:effectRef>
+      <a:fontRef idx="minor"/>
+    </dgm:style>
+  </dgm:styleLbl>
+  <dgm:styleLbl name="alignAccFollowNode1">
+    <dgm:scene3d>
+      <a:camera prst="orthographicFront"/>
+      <a:lightRig rig="threePt" dir="t"/>
+    </dgm:scene3d>
+    <dgm:sp3d/>
+    <dgm:txPr/>
+    <dgm:style>
+      <a:lnRef idx="2">
+        <a:scrgbClr r="0" g="0" b="0"/>
+      </a:lnRef>
+      <a:fillRef idx="1">
+        <a:scrgbClr r="0" g="0" b="0"/>
+      </a:fillRef>
+      <a:effectRef idx="0">
+        <a:scrgbClr r="0" g="0" b="0"/>
+      </a:effectRef>
+      <a:fontRef idx="minor"/>
+    </dgm:style>
+  </dgm:styleLbl>
+  <dgm:styleLbl name="bgAccFollowNode1">
+    <dgm:scene3d>
+      <a:camera prst="orthographicFront"/>
+      <a:lightRig rig="threePt" dir="t"/>
+    </dgm:scene3d>
+    <dgm:sp3d/>
+    <dgm:txPr/>
+    <dgm:style>
+      <a:lnRef idx="2">
+        <a:scrgbClr r="0" g="0" b="0"/>
+      </a:lnRef>
+      <a:fillRef idx="1">
+        <a:scrgbClr r="0" g="0" b="0"/>
+      </a:fillRef>
+      <a:effectRef idx="0">
+        <a:scrgbClr r="0" g="0" b="0"/>
+      </a:effectRef>
+      <a:fontRef idx="minor"/>
+    </dgm:style>
+  </dgm:styleLbl>
+  <dgm:styleLbl name="fgAcc0">
+    <dgm:scene3d>
+      <a:camera prst="orthographicFront"/>
+      <a:lightRig rig="threePt" dir="t"/>
+    </dgm:scene3d>
+    <dgm:sp3d/>
+    <dgm:txPr/>
+    <dgm:style>
+      <a:lnRef idx="2">
+        <a:scrgbClr r="0" g="0" b="0"/>
+      </a:lnRef>
+      <a:fillRef idx="1">
+        <a:scrgbClr r="0" g="0" b="0"/>
+      </a:fillRef>
+      <a:effectRef idx="0">
+        <a:scrgbClr r="0" g="0" b="0"/>
+      </a:effectRef>
+      <a:fontRef idx="minor"/>
+    </dgm:style>
+  </dgm:styleLbl>
+  <dgm:styleLbl name="fgAcc2">
+    <dgm:scene3d>
+      <a:camera prst="orthographicFront"/>
+      <a:lightRig rig="threePt" dir="t"/>
+    </dgm:scene3d>
+    <dgm:sp3d/>
+    <dgm:txPr/>
+    <dgm:style>
+      <a:lnRef idx="2">
+        <a:scrgbClr r="0" g="0" b="0"/>
+      </a:lnRef>
+      <a:fillRef idx="1">
+        <a:scrgbClr r="0" g="0" b="0"/>
+      </a:fillRef>
+      <a:effectRef idx="0">
+        <a:scrgbClr r="0" g="0" b="0"/>
+      </a:effectRef>
+      <a:fontRef idx="minor"/>
+    </dgm:style>
+  </dgm:styleLbl>
+  <dgm:styleLbl name="fgAcc3">
+    <dgm:scene3d>
+      <a:camera prst="orthographicFront"/>
+      <a:lightRig rig="threePt" dir="t"/>
+    </dgm:scene3d>
+    <dgm:sp3d/>
+    <dgm:txPr/>
+    <dgm:style>
+      <a:lnRef idx="2">
+        <a:scrgbClr r="0" g="0" b="0"/>
+      </a:lnRef>
+      <a:fillRef idx="1">
+        <a:scrgbClr r="0" g="0" b="0"/>
+      </a:fillRef>
+      <a:effectRef idx="0">
+        <a:scrgbClr r="0" g="0" b="0"/>
+      </a:effectRef>
+      <a:fontRef idx="minor"/>
+    </dgm:style>
+  </dgm:styleLbl>
+  <dgm:styleLbl name="fgAcc4">
+    <dgm:scene3d>
+      <a:camera prst="orthographicFront"/>
+      <a:lightRig rig="threePt" dir="t"/>
+    </dgm:scene3d>
+    <dgm:sp3d/>
+    <dgm:txPr/>
+    <dgm:style>
+      <a:lnRef idx="2">
+        <a:scrgbClr r="0" g="0" b="0"/>
+      </a:lnRef>
+      <a:fillRef idx="1">
+        <a:scrgbClr r="0" g="0" b="0"/>
+      </a:fillRef>
+      <a:effectRef idx="0">
+        <a:scrgbClr r="0" g="0" b="0"/>
+      </a:effectRef>
+      <a:fontRef idx="minor"/>
+    </dgm:style>
+  </dgm:styleLbl>
+  <dgm:styleLbl name="bgShp">
+    <dgm:scene3d>
+      <a:camera prst="orthographicFront"/>
+      <a:lightRig rig="threePt" dir="t"/>
+    </dgm:scene3d>
+    <dgm:sp3d/>
+    <dgm:txPr/>
+    <dgm:style>
+      <a:lnRef idx="0">
+        <a:scrgbClr r="0" g="0" b="0"/>
+      </a:lnRef>
+      <a:fillRef idx="1">
+        <a:scrgbClr r="0" g="0" b="0"/>
+      </a:fillRef>
+      <a:effectRef idx="0">
+        <a:scrgbClr r="0" g="0" b="0"/>
+      </a:effectRef>
+      <a:fontRef idx="minor"/>
+    </dgm:style>
+  </dgm:styleLbl>
+  <dgm:styleLbl name="dkBgShp">
+    <dgm:scene3d>
+      <a:camera prst="orthographicFront"/>
+      <a:lightRig rig="threePt" dir="t"/>
+    </dgm:scene3d>
+    <dgm:sp3d/>
+    <dgm:txPr/>
+    <dgm:style>
+      <a:lnRef idx="0">
+        <a:scrgbClr r="0" g="0" b="0"/>
+      </a:lnRef>
+      <a:fillRef idx="1">
+        <a:scrgbClr r="0" g="0" b="0"/>
+      </a:fillRef>
+      <a:effectRef idx="0">
+        <a:scrgbClr r="0" g="0" b="0"/>
+      </a:effectRef>
+      <a:fontRef idx="minor"/>
+    </dgm:style>
+  </dgm:styleLbl>
+  <dgm:styleLbl name="trBgShp">
+    <dgm:scene3d>
+      <a:camera prst="orthographicFront"/>
+      <a:lightRig rig="threePt" dir="t"/>
+    </dgm:scene3d>
+    <dgm:sp3d/>
+    <dgm:txPr/>
+    <dgm:style>
+      <a:lnRef idx="0">
+        <a:scrgbClr r="0" g="0" b="0"/>
+      </a:lnRef>
+      <a:fillRef idx="1">
+        <a:scrgbClr r="0" g="0" b="0"/>
+      </a:fillRef>
+      <a:effectRef idx="0">
+        <a:scrgbClr r="0" g="0" b="0"/>
+      </a:effectRef>
+      <a:fontRef idx="minor"/>
+    </dgm:style>
+  </dgm:styleLbl>
+  <dgm:styleLbl name="fgShp">
+    <dgm:scene3d>
+      <a:camera prst="orthographicFront"/>
+      <a:lightRig rig="threePt" dir="t"/>
+    </dgm:scene3d>
+    <dgm:sp3d/>
+    <dgm:txPr/>
+    <dgm:style>
+      <a:lnRef idx="2">
+        <a:scrgbClr r="0" g="0" b="0"/>
+      </a:lnRef>
+      <a:fillRef idx="1">
+        <a:scrgbClr r="0" g="0" b="0"/>
+      </a:fillRef>
+      <a:effectRef idx="0">
+        <a:scrgbClr r="0" g="0" b="0"/>
+      </a:effectRef>
+      <a:fontRef idx="minor"/>
+    </dgm:style>
+  </dgm:styleLbl>
+  <dgm:styleLbl name="revTx">
+    <dgm:scene3d>
+      <a:camera prst="orthographicFront"/>
+      <a:lightRig rig="threePt" dir="t"/>
+    </dgm:scene3d>
+    <dgm:sp3d/>
+    <dgm:txPr/>
+    <dgm:style>
+      <a:lnRef idx="0">
+        <a:scrgbClr r="0" g="0" b="0"/>
+      </a:lnRef>
+      <a:fillRef idx="0">
+        <a:scrgbClr r="0" g="0" b="0"/>
+      </a:fillRef>
+      <a:effectRef idx="0">
+        <a:scrgbClr r="0" g="0" b="0"/>
+      </a:effectRef>
+      <a:fontRef idx="minor"/>
+    </dgm:style>
+  </dgm:styleLbl>
+</dgm:styleDef>
+</file>
+
+<file path=ppt/diagrams/quickStyle3.xml><?xml version="1.0" encoding="utf-8"?>
 <dgm:styleDef xmlns:dgm="http://schemas.openxmlformats.org/drawingml/2006/diagram" xmlns:a="http://schemas.openxmlformats.org/drawingml/2006/main" uniqueId="urn:microsoft.com/office/officeart/2005/8/quickstyle/simple1">
   <dgm:title val=""/>
   <dgm:desc val=""/>
@@ -7958,7 +10371,7 @@
           <a:p>
             <a:fld id="{A24C9615-72AB-4F92-81B3-C09A638197B0}" type="datetimeFigureOut">
               <a:rPr lang="en-US" smtClean="0"/>
-              <a:t>4/20/2018</a:t>
+              <a:t>4/23/2018</a:t>
             </a:fld>
             <a:endParaRPr lang="en-US"/>
           </a:p>
@@ -8209,7 +10622,7 @@
           <a:p>
             <a:fld id="{A24C9615-72AB-4F92-81B3-C09A638197B0}" type="datetimeFigureOut">
               <a:rPr lang="en-US" smtClean="0"/>
-              <a:t>4/20/2018</a:t>
+              <a:t>4/23/2018</a:t>
             </a:fld>
             <a:endParaRPr lang="en-US"/>
           </a:p>
@@ -8523,7 +10936,7 @@
           <a:p>
             <a:fld id="{A24C9615-72AB-4F92-81B3-C09A638197B0}" type="datetimeFigureOut">
               <a:rPr lang="en-US" smtClean="0"/>
-              <a:t>4/20/2018</a:t>
+              <a:t>4/23/2018</a:t>
             </a:fld>
             <a:endParaRPr lang="en-US"/>
           </a:p>
@@ -8856,7 +11269,7 @@
           <a:p>
             <a:fld id="{A24C9615-72AB-4F92-81B3-C09A638197B0}" type="datetimeFigureOut">
               <a:rPr lang="en-US" smtClean="0"/>
-              <a:t>4/20/2018</a:t>
+              <a:t>4/23/2018</a:t>
             </a:fld>
             <a:endParaRPr lang="en-US"/>
           </a:p>
@@ -9170,7 +11583,7 @@
           <a:p>
             <a:fld id="{A24C9615-72AB-4F92-81B3-C09A638197B0}" type="datetimeFigureOut">
               <a:rPr lang="en-US" smtClean="0"/>
-              <a:t>4/20/2018</a:t>
+              <a:t>4/23/2018</a:t>
             </a:fld>
             <a:endParaRPr lang="en-US"/>
           </a:p>
@@ -9563,7 +11976,7 @@
           <a:p>
             <a:fld id="{A24C9615-72AB-4F92-81B3-C09A638197B0}" type="datetimeFigureOut">
               <a:rPr lang="en-US" smtClean="0"/>
-              <a:t>4/20/2018</a:t>
+              <a:t>4/23/2018</a:t>
             </a:fld>
             <a:endParaRPr lang="en-US"/>
           </a:p>
@@ -9733,7 +12146,7 @@
           <a:p>
             <a:fld id="{A24C9615-72AB-4F92-81B3-C09A638197B0}" type="datetimeFigureOut">
               <a:rPr lang="en-US" smtClean="0"/>
-              <a:t>4/20/2018</a:t>
+              <a:t>4/23/2018</a:t>
             </a:fld>
             <a:endParaRPr lang="en-US"/>
           </a:p>
@@ -9913,7 +12326,7 @@
           <a:p>
             <a:fld id="{A24C9615-72AB-4F92-81B3-C09A638197B0}" type="datetimeFigureOut">
               <a:rPr lang="en-US" smtClean="0"/>
-              <a:t>4/20/2018</a:t>
+              <a:t>4/23/2018</a:t>
             </a:fld>
             <a:endParaRPr lang="en-US"/>
           </a:p>
@@ -10092,7 +12505,7 @@
           <a:p>
             <a:fld id="{A24C9615-72AB-4F92-81B3-C09A638197B0}" type="datetimeFigureOut">
               <a:rPr lang="en-US" smtClean="0"/>
-              <a:t>4/20/2018</a:t>
+              <a:t>4/23/2018</a:t>
             </a:fld>
             <a:endParaRPr lang="en-US"/>
           </a:p>
@@ -10339,7 +12752,7 @@
           <a:p>
             <a:fld id="{A24C9615-72AB-4F92-81B3-C09A638197B0}" type="datetimeFigureOut">
               <a:rPr lang="en-US" smtClean="0"/>
-              <a:t>4/20/2018</a:t>
+              <a:t>4/23/2018</a:t>
             </a:fld>
             <a:endParaRPr lang="en-US"/>
           </a:p>
@@ -10571,7 +12984,7 @@
           <a:p>
             <a:fld id="{A24C9615-72AB-4F92-81B3-C09A638197B0}" type="datetimeFigureOut">
               <a:rPr lang="en-US" smtClean="0"/>
-              <a:t>4/20/2018</a:t>
+              <a:t>4/23/2018</a:t>
             </a:fld>
             <a:endParaRPr lang="en-US"/>
           </a:p>
@@ -10945,7 +13358,7 @@
           <a:p>
             <a:fld id="{A24C9615-72AB-4F92-81B3-C09A638197B0}" type="datetimeFigureOut">
               <a:rPr lang="en-US" smtClean="0"/>
-              <a:t>4/20/2018</a:t>
+              <a:t>4/23/2018</a:t>
             </a:fld>
             <a:endParaRPr lang="en-US"/>
           </a:p>
@@ -11068,7 +13481,7 @@
           <a:p>
             <a:fld id="{A24C9615-72AB-4F92-81B3-C09A638197B0}" type="datetimeFigureOut">
               <a:rPr lang="en-US" smtClean="0"/>
-              <a:t>4/20/2018</a:t>
+              <a:t>4/23/2018</a:t>
             </a:fld>
             <a:endParaRPr lang="en-US"/>
           </a:p>
@@ -11163,7 +13576,7 @@
           <a:p>
             <a:fld id="{A24C9615-72AB-4F92-81B3-C09A638197B0}" type="datetimeFigureOut">
               <a:rPr lang="en-US" smtClean="0"/>
-              <a:t>4/20/2018</a:t>
+              <a:t>4/23/2018</a:t>
             </a:fld>
             <a:endParaRPr lang="en-US"/>
           </a:p>
@@ -11418,7 +13831,7 @@
           <a:p>
             <a:fld id="{A24C9615-72AB-4F92-81B3-C09A638197B0}" type="datetimeFigureOut">
               <a:rPr lang="en-US" smtClean="0"/>
-              <a:t>4/20/2018</a:t>
+              <a:t>4/23/2018</a:t>
             </a:fld>
             <a:endParaRPr lang="en-US"/>
           </a:p>
@@ -11723,7 +14136,7 @@
           <a:p>
             <a:fld id="{A24C9615-72AB-4F92-81B3-C09A638197B0}" type="datetimeFigureOut">
               <a:rPr lang="en-US" smtClean="0"/>
-              <a:t>4/20/2018</a:t>
+              <a:t>4/23/2018</a:t>
             </a:fld>
             <a:endParaRPr lang="en-US"/>
           </a:p>
@@ -12425,7 +14838,7 @@
           <a:p>
             <a:fld id="{A24C9615-72AB-4F92-81B3-C09A638197B0}" type="datetimeFigureOut">
               <a:rPr lang="en-US" smtClean="0"/>
-              <a:t>4/20/2018</a:t>
+              <a:t>4/23/2018</a:t>
             </a:fld>
             <a:endParaRPr lang="en-US"/>
           </a:p>
@@ -13037,6 +15450,122 @@
           <p:cNvPr id="2" name="Title 1">
             <a:extLst>
               <a:ext uri="{FF2B5EF4-FFF2-40B4-BE49-F238E27FC236}">
+                <a16:creationId xmlns:a16="http://schemas.microsoft.com/office/drawing/2014/main" id="{E8F56D53-D15F-4F13-B650-C1E158A0FB2D}"/>
+              </a:ext>
+            </a:extLst>
+          </p:cNvPr>
+          <p:cNvSpPr>
+            <a:spLocks noGrp="1"/>
+          </p:cNvSpPr>
+          <p:nvPr>
+            <p:ph type="title"/>
+          </p:nvPr>
+        </p:nvSpPr>
+        <p:spPr/>
+        <p:txBody>
+          <a:bodyPr/>
+          <a:lstStyle/>
+          <a:p>
+            <a:r>
+              <a:rPr lang="en-US" dirty="0"/>
+              <a:t>Form Components</a:t>
+            </a:r>
+          </a:p>
+        </p:txBody>
+      </p:sp>
+      <p:sp>
+        <p:nvSpPr>
+          <p:cNvPr id="3" name="Content Placeholder 2">
+            <a:extLst>
+              <a:ext uri="{FF2B5EF4-FFF2-40B4-BE49-F238E27FC236}">
+                <a16:creationId xmlns:a16="http://schemas.microsoft.com/office/drawing/2014/main" id="{AA1AA00A-2F04-4BEB-AF12-7E95C27A9EF1}"/>
+              </a:ext>
+            </a:extLst>
+          </p:cNvPr>
+          <p:cNvSpPr>
+            <a:spLocks noGrp="1"/>
+          </p:cNvSpPr>
+          <p:nvPr>
+            <p:ph idx="1"/>
+          </p:nvPr>
+        </p:nvSpPr>
+        <p:spPr/>
+        <p:txBody>
+          <a:bodyPr/>
+          <a:lstStyle/>
+          <a:p>
+            <a:r>
+              <a:rPr lang="en-US" dirty="0"/>
+              <a:t>Input</a:t>
+            </a:r>
+          </a:p>
+          <a:p>
+            <a:pPr lvl="1"/>
+            <a:r>
+              <a:rPr lang="en-US" dirty="0"/>
+              <a:t>Static</a:t>
+            </a:r>
+          </a:p>
+          <a:p>
+            <a:pPr lvl="1"/>
+            <a:r>
+              <a:rPr lang="en-US" dirty="0"/>
+              <a:t>Auto Complete</a:t>
+            </a:r>
+          </a:p>
+          <a:p>
+            <a:r>
+              <a:rPr lang="en-US" dirty="0"/>
+              <a:t>Tabs</a:t>
+            </a:r>
+          </a:p>
+          <a:p>
+            <a:r>
+              <a:rPr lang="en-US" dirty="0"/>
+              <a:t>Rule Builder</a:t>
+            </a:r>
+          </a:p>
+          <a:p>
+            <a:pPr lvl="1"/>
+            <a:endParaRPr lang="en-US" dirty="0"/>
+          </a:p>
+        </p:txBody>
+      </p:sp>
+    </p:spTree>
+    <p:extLst>
+      <p:ext uri="{BB962C8B-B14F-4D97-AF65-F5344CB8AC3E}">
+        <p14:creationId xmlns:p14="http://schemas.microsoft.com/office/powerpoint/2010/main" val="4162303227"/>
+      </p:ext>
+    </p:extLst>
+  </p:cSld>
+  <p:clrMapOvr>
+    <a:masterClrMapping/>
+  </p:clrMapOvr>
+</p:sld>
+</file>
+
+<file path=ppt/slides/slide11.xml><?xml version="1.0" encoding="utf-8"?>
+<p:sld xmlns:a="http://schemas.openxmlformats.org/drawingml/2006/main" xmlns:r="http://schemas.openxmlformats.org/officeDocument/2006/relationships" xmlns:p="http://schemas.openxmlformats.org/presentationml/2006/main">
+  <p:cSld>
+    <p:spTree>
+      <p:nvGrpSpPr>
+        <p:cNvPr id="1" name=""/>
+        <p:cNvGrpSpPr/>
+        <p:nvPr/>
+      </p:nvGrpSpPr>
+      <p:grpSpPr>
+        <a:xfrm>
+          <a:off x="0" y="0"/>
+          <a:ext cx="0" cy="0"/>
+          <a:chOff x="0" y="0"/>
+          <a:chExt cx="0" cy="0"/>
+        </a:xfrm>
+      </p:grpSpPr>
+      <p:sp>
+        <p:nvSpPr>
+          <p:cNvPr id="2" name="Title 1">
+            <a:extLst>
+              <a:ext uri="{FF2B5EF4-FFF2-40B4-BE49-F238E27FC236}">
                 <a16:creationId xmlns:a16="http://schemas.microsoft.com/office/drawing/2014/main" id="{5F4DBAF5-C75F-4029-B8F7-D1782942306F}"/>
               </a:ext>
             </a:extLst>
@@ -13515,7 +16044,7 @@
         <p:spPr/>
         <p:txBody>
           <a:bodyPr>
-            <a:normAutofit fontScale="92500" lnSpcReduction="10000"/>
+            <a:normAutofit lnSpcReduction="10000"/>
           </a:bodyPr>
           <a:lstStyle/>
           <a:p>
@@ -13563,14 +16092,7 @@
             <a:pPr lvl="1"/>
             <a:r>
               <a:rPr lang="en-US" dirty="0"/>
-              <a:t>Grid</a:t>
-            </a:r>
-          </a:p>
-          <a:p>
-            <a:pPr lvl="1"/>
-            <a:r>
-              <a:rPr lang="en-US" dirty="0"/>
-              <a:t>Data Grid</a:t>
+              <a:t>Data Grid / Table</a:t>
             </a:r>
           </a:p>
           <a:p>
@@ -13943,96 +16465,38 @@
           <a:chExt cx="0" cy="0"/>
         </a:xfrm>
       </p:grpSpPr>
-      <p:sp>
-        <p:nvSpPr>
-          <p:cNvPr id="2" name="Title 1">
+      <p:graphicFrame>
+        <p:nvGraphicFramePr>
+          <p:cNvPr id="4" name="Diagram 3">
             <a:extLst>
               <a:ext uri="{FF2B5EF4-FFF2-40B4-BE49-F238E27FC236}">
-                <a16:creationId xmlns:a16="http://schemas.microsoft.com/office/drawing/2014/main" id="{E8F56D53-D15F-4F13-B650-C1E158A0FB2D}"/>
+                <a16:creationId xmlns:a16="http://schemas.microsoft.com/office/drawing/2014/main" id="{D554F8EB-42B3-45CE-8B6B-A9C3B2851A48}"/>
               </a:ext>
             </a:extLst>
           </p:cNvPr>
-          <p:cNvSpPr>
-            <a:spLocks noGrp="1"/>
-          </p:cNvSpPr>
+          <p:cNvGraphicFramePr/>
           <p:nvPr>
-            <p:ph type="title"/>
+            <p:extLst>
+              <p:ext uri="{D42A27DB-BD31-4B8C-83A1-F6EECF244321}">
+                <p14:modId xmlns:p14="http://schemas.microsoft.com/office/powerpoint/2010/main" val="1822767949"/>
+              </p:ext>
+            </p:extLst>
           </p:nvPr>
-        </p:nvSpPr>
-        <p:spPr/>
-        <p:txBody>
-          <a:bodyPr/>
-          <a:lstStyle/>
-          <a:p>
-            <a:r>
-              <a:rPr lang="en-US" dirty="0"/>
-              <a:t>Form Components</a:t>
-            </a:r>
-          </a:p>
-        </p:txBody>
-      </p:sp>
-      <p:sp>
-        <p:nvSpPr>
-          <p:cNvPr id="3" name="Content Placeholder 2">
-            <a:extLst>
-              <a:ext uri="{FF2B5EF4-FFF2-40B4-BE49-F238E27FC236}">
-                <a16:creationId xmlns:a16="http://schemas.microsoft.com/office/drawing/2014/main" id="{AA1AA00A-2F04-4BEB-AF12-7E95C27A9EF1}"/>
-              </a:ext>
-            </a:extLst>
-          </p:cNvPr>
-          <p:cNvSpPr>
-            <a:spLocks noGrp="1"/>
-          </p:cNvSpPr>
-          <p:nvPr>
-            <p:ph idx="1"/>
-          </p:nvPr>
-        </p:nvSpPr>
-        <p:spPr/>
-        <p:txBody>
-          <a:bodyPr/>
-          <a:lstStyle/>
-          <a:p>
-            <a:r>
-              <a:rPr lang="en-US" dirty="0"/>
-              <a:t>Input</a:t>
-            </a:r>
-          </a:p>
-          <a:p>
-            <a:pPr lvl="1"/>
-            <a:r>
-              <a:rPr lang="en-US" dirty="0"/>
-              <a:t>Static</a:t>
-            </a:r>
-          </a:p>
-          <a:p>
-            <a:pPr lvl="1"/>
-            <a:r>
-              <a:rPr lang="en-US" dirty="0"/>
-              <a:t>Auto Complete</a:t>
-            </a:r>
-          </a:p>
-          <a:p>
-            <a:r>
-              <a:rPr lang="en-US" dirty="0"/>
-              <a:t>Tabs</a:t>
-            </a:r>
-          </a:p>
-          <a:p>
-            <a:r>
-              <a:rPr lang="en-US" dirty="0"/>
-              <a:t>Rule Builder</a:t>
-            </a:r>
-          </a:p>
-          <a:p>
-            <a:pPr lvl="1"/>
-            <a:endParaRPr lang="en-US" dirty="0"/>
-          </a:p>
-        </p:txBody>
-      </p:sp>
+        </p:nvGraphicFramePr>
+        <p:xfrm>
+          <a:off x="2032000" y="719666"/>
+          <a:ext cx="8128000" cy="5418667"/>
+        </p:xfrm>
+        <a:graphic>
+          <a:graphicData uri="http://schemas.openxmlformats.org/drawingml/2006/diagram">
+            <dgm:relIds xmlns:dgm="http://schemas.openxmlformats.org/drawingml/2006/diagram" xmlns:r="http://schemas.openxmlformats.org/officeDocument/2006/relationships" r:dm="rId2" r:lo="rId3" r:qs="rId4" r:cs="rId5"/>
+          </a:graphicData>
+        </a:graphic>
+      </p:graphicFrame>
     </p:spTree>
     <p:extLst>
       <p:ext uri="{BB962C8B-B14F-4D97-AF65-F5344CB8AC3E}">
-        <p14:creationId xmlns:p14="http://schemas.microsoft.com/office/powerpoint/2010/main" val="4162303227"/>
+        <p14:creationId xmlns:p14="http://schemas.microsoft.com/office/powerpoint/2010/main" val="1667881677"/>
       </p:ext>
     </p:extLst>
   </p:cSld>
